--- a/guidelines/templates/resources/Kyma_presentation_template.pptx
+++ b/guidelines/templates/resources/Kyma_presentation_template.pptx
@@ -13,9 +13,9 @@
     <p:sldId id="273" r:id="rId4"/>
     <p:sldId id="267" r:id="rId5"/>
     <p:sldId id="275" r:id="rId6"/>
-    <p:sldId id="270" r:id="rId7"/>
-    <p:sldId id="271" r:id="rId8"/>
-    <p:sldId id="272" r:id="rId9"/>
+    <p:sldId id="271" r:id="rId7"/>
+    <p:sldId id="272" r:id="rId8"/>
+    <p:sldId id="276" r:id="rId9"/>
     <p:sldId id="274" r:id="rId10"/>
   </p:sldIdLst>
   <p:sldSz cx="12192000" cy="6858000"/>
@@ -220,7 +220,7 @@
           <a:p>
             <a:fld id="{0FC10B1B-2D81-904D-8934-4F162BEEC15F}" type="datetimeFigureOut">
               <a:rPr lang="de-DE" smtClean="0"/>
-              <a:t>08.08.18</a:t>
+              <a:t>11.03.2019</a:t>
             </a:fld>
             <a:endParaRPr lang="de-DE"/>
           </a:p>
@@ -1666,6 +1666,9 @@
           <a:p>
             <a:r>
               <a:rPr lang="de-DE" sz="700" dirty="0">
+                <a:solidFill>
+                  <a:schemeClr val="bg1"/>
+                </a:solidFill>
                 <a:latin typeface="Arial" panose="020B0604020202020204" pitchFamily="34" charset="0"/>
                 <a:cs typeface="Arial" panose="020B0604020202020204" pitchFamily="34" charset="0"/>
               </a:rPr>
@@ -1673,6 +1676,9 @@
             </a:r>
             <a:r>
               <a:rPr lang="de-DE" sz="700" dirty="0" err="1">
+                <a:solidFill>
+                  <a:schemeClr val="bg1"/>
+                </a:solidFill>
                 <a:latin typeface="Arial" panose="020B0604020202020204" pitchFamily="34" charset="0"/>
                 <a:cs typeface="Arial" panose="020B0604020202020204" pitchFamily="34" charset="0"/>
               </a:rPr>
@@ -1680,6 +1686,9 @@
             </a:r>
             <a:r>
               <a:rPr lang="de-DE" sz="700" dirty="0">
+                <a:solidFill>
+                  <a:schemeClr val="bg1"/>
+                </a:solidFill>
                 <a:latin typeface="Arial" panose="020B0604020202020204" pitchFamily="34" charset="0"/>
                 <a:cs typeface="Arial" panose="020B0604020202020204" pitchFamily="34" charset="0"/>
               </a:rPr>
@@ -1687,6 +1696,9 @@
             </a:r>
             <a:r>
               <a:rPr lang="de-DE" sz="700" dirty="0" err="1">
+                <a:solidFill>
+                  <a:schemeClr val="bg1"/>
+                </a:solidFill>
                 <a:latin typeface="Arial" panose="020B0604020202020204" pitchFamily="34" charset="0"/>
                 <a:cs typeface="Arial" panose="020B0604020202020204" pitchFamily="34" charset="0"/>
               </a:rPr>
@@ -1694,18 +1706,14 @@
             </a:r>
             <a:r>
               <a:rPr lang="de-DE" sz="700" dirty="0">
+                <a:solidFill>
+                  <a:schemeClr val="bg1"/>
+                </a:solidFill>
                 <a:latin typeface="Arial" panose="020B0604020202020204" pitchFamily="34" charset="0"/>
                 <a:cs typeface="Arial" panose="020B0604020202020204" pitchFamily="34" charset="0"/>
               </a:rPr>
               <a:t>.</a:t>
             </a:r>
-            <a:endParaRPr lang="de-DE" sz="700" dirty="0">
-              <a:solidFill>
-                <a:srgbClr val="485766"/>
-              </a:solidFill>
-              <a:latin typeface="Arial" panose="020B0604020202020204" pitchFamily="34" charset="0"/>
-              <a:cs typeface="Arial" panose="020B0604020202020204" pitchFamily="34" charset="0"/>
-            </a:endParaRPr>
           </a:p>
         </p:txBody>
       </p:sp>
@@ -4915,7 +4923,7 @@
                 <a:latin typeface="Arial" panose="020B0604020202020204" pitchFamily="34" charset="0"/>
                 <a:cs typeface="Arial" panose="020B0604020202020204" pitchFamily="34" charset="0"/>
               </a:rPr>
-              <a:t>Copyright © 2018 The Kyma </a:t>
+              <a:t>Copyright © 2019 The Kyma </a:t>
             </a:r>
             <a:r>
               <a:rPr lang="de-DE" sz="700" dirty="0" err="1">
@@ -5391,7 +5399,7 @@
                 <a:latin typeface="Arial" panose="020B0604020202020204" pitchFamily="34" charset="0"/>
                 <a:cs typeface="Arial" panose="020B0604020202020204" pitchFamily="34" charset="0"/>
               </a:rPr>
-              <a:t>Copyright © 2018 The Kyma </a:t>
+              <a:t>Copyright © 2019 The Kyma </a:t>
             </a:r>
             <a:r>
               <a:rPr lang="de-DE" sz="700" dirty="0" err="1">
@@ -5868,7 +5876,7 @@
                 <a:latin typeface="Arial" panose="020B0604020202020204" pitchFamily="34" charset="0"/>
                 <a:cs typeface="Arial" panose="020B0604020202020204" pitchFamily="34" charset="0"/>
               </a:rPr>
-              <a:t>Copyright © 2018 The Kyma </a:t>
+              <a:t>Copyright © 2019 The Kyma </a:t>
             </a:r>
             <a:r>
               <a:rPr lang="de-DE" sz="700" dirty="0" err="1">
@@ -6574,10 +6582,10 @@
       </p:grpSpPr>
       <p:sp>
         <p:nvSpPr>
-          <p:cNvPr id="3" name="Text Placeholder 2">
-            <a:extLst>
-              <a:ext uri="{FF2B5EF4-FFF2-40B4-BE49-F238E27FC236}">
-                <a16:creationId xmlns:a16="http://schemas.microsoft.com/office/drawing/2014/main" id="{3C5A5E0C-5B2D-E640-8511-544C0D69EE9A}"/>
+          <p:cNvPr id="10" name="Text Placeholder 2">
+            <a:extLst>
+              <a:ext uri="{FF2B5EF4-FFF2-40B4-BE49-F238E27FC236}">
+                <a16:creationId xmlns:a16="http://schemas.microsoft.com/office/drawing/2014/main" id="{48EA42C7-5CC8-48A2-BDE5-B0245B1C971A}"/>
               </a:ext>
             </a:extLst>
           </p:cNvPr>
@@ -6588,64 +6596,41 @@
             <p:ph type="body" idx="1"/>
           </p:nvPr>
         </p:nvSpPr>
-        <p:spPr/>
+        <p:spPr>
+          <a:xfrm>
+            <a:off x="5965371" y="2294096"/>
+            <a:ext cx="5157787" cy="823912"/>
+          </a:xfrm>
+        </p:spPr>
         <p:txBody>
           <a:bodyPr/>
           <a:lstStyle/>
           <a:p>
-            <a:pPr>
-              <a:lnSpc>
-                <a:spcPct val="100000"/>
-              </a:lnSpc>
-            </a:pPr>
-            <a:r>
-              <a:rPr lang="de-DE" dirty="0"/>
-              <a:t>Kyma </a:t>
-            </a:r>
-            <a:r>
-              <a:rPr lang="de-DE" dirty="0" err="1"/>
-              <a:t>mission</a:t>
-            </a:r>
-            <a:r>
-              <a:rPr lang="de-DE" dirty="0"/>
-              <a:t>: </a:t>
-            </a:r>
-            <a:br>
-              <a:rPr lang="de-DE" dirty="0"/>
-            </a:br>
-            <a:r>
-              <a:rPr lang="de-DE" dirty="0" err="1"/>
-              <a:t>Make</a:t>
-            </a:r>
-            <a:r>
-              <a:rPr lang="de-DE" dirty="0"/>
-              <a:t> simple </a:t>
-            </a:r>
-            <a:r>
-              <a:rPr lang="de-DE" dirty="0" err="1"/>
-              <a:t>things</a:t>
-            </a:r>
-            <a:r>
-              <a:rPr lang="de-DE" dirty="0"/>
-              <a:t> simple </a:t>
-            </a:r>
-            <a:r>
-              <a:rPr lang="de-DE" dirty="0" err="1"/>
-              <a:t>again</a:t>
-            </a:r>
-            <a:r>
-              <a:rPr lang="de-DE" dirty="0"/>
-              <a:t>!</a:t>
+            <a:r>
+              <a:rPr lang="de-DE" sz="3200" dirty="0" err="1"/>
+              <a:t>What</a:t>
+            </a:r>
+            <a:r>
+              <a:rPr lang="de-DE" sz="3200" dirty="0"/>
+              <a:t> </a:t>
+            </a:r>
+            <a:r>
+              <a:rPr lang="de-DE" sz="3200" dirty="0" err="1"/>
+              <a:t>is</a:t>
+            </a:r>
+            <a:r>
+              <a:rPr lang="de-DE" sz="3200" dirty="0"/>
+              <a:t> Kyma?</a:t>
             </a:r>
           </a:p>
         </p:txBody>
       </p:sp>
       <p:sp>
         <p:nvSpPr>
-          <p:cNvPr id="4" name="Content Placeholder 3">
-            <a:extLst>
-              <a:ext uri="{FF2B5EF4-FFF2-40B4-BE49-F238E27FC236}">
-                <a16:creationId xmlns:a16="http://schemas.microsoft.com/office/drawing/2014/main" id="{5B57802A-618F-2E43-8598-5910C52654E0}"/>
+          <p:cNvPr id="11" name="Content Placeholder 3">
+            <a:extLst>
+              <a:ext uri="{FF2B5EF4-FFF2-40B4-BE49-F238E27FC236}">
+                <a16:creationId xmlns:a16="http://schemas.microsoft.com/office/drawing/2014/main" id="{F188D4F8-ED3C-4FED-ADB2-9BA9BB17735A}"/>
               </a:ext>
             </a:extLst>
           </p:cNvPr>
@@ -6656,393 +6641,52 @@
             <p:ph sz="half" idx="2"/>
           </p:nvPr>
         </p:nvSpPr>
-        <p:spPr/>
+        <p:spPr>
+          <a:xfrm>
+            <a:off x="5965371" y="3118008"/>
+            <a:ext cx="5157787" cy="1845878"/>
+          </a:xfrm>
+        </p:spPr>
         <p:txBody>
           <a:bodyPr/>
           <a:lstStyle/>
           <a:p>
             <a:r>
-              <a:rPr lang="de-DE" dirty="0"/>
+              <a:rPr lang="de-DE" sz="2400" dirty="0"/>
               <a:t>Kyma </a:t>
             </a:r>
             <a:r>
-              <a:rPr lang="de-DE" dirty="0" err="1"/>
-              <a:t>aims</a:t>
-            </a:r>
-            <a:r>
-              <a:rPr lang="de-DE" dirty="0"/>
+              <a:rPr lang="de-DE" sz="2400" dirty="0" err="1"/>
+              <a:t>is</a:t>
+            </a:r>
+            <a:r>
+              <a:rPr lang="de-DE" sz="2400" dirty="0"/>
+              <a:t> an open source project </a:t>
+            </a:r>
+          </a:p>
+          <a:p>
+            <a:r>
+              <a:rPr lang="de-DE" sz="2400" dirty="0" err="1"/>
+              <a:t>designed</a:t>
+            </a:r>
+            <a:r>
+              <a:rPr lang="de-DE" sz="2400" dirty="0"/>
               <a:t> </a:t>
             </a:r>
             <a:r>
-              <a:rPr lang="de-DE" dirty="0" err="1"/>
-              <a:t>to</a:t>
-            </a:r>
-            <a:r>
-              <a:rPr lang="de-DE" dirty="0"/>
-              <a:t> </a:t>
-            </a:r>
-            <a:r>
-              <a:rPr lang="de-DE" dirty="0" err="1"/>
-              <a:t>equip</a:t>
-            </a:r>
-            <a:r>
-              <a:rPr lang="de-DE" dirty="0"/>
-              <a:t> </a:t>
-            </a:r>
-            <a:r>
-              <a:rPr lang="de-DE" dirty="0" err="1"/>
-              <a:t>enterprise</a:t>
-            </a:r>
-            <a:r>
-              <a:rPr lang="de-DE" dirty="0"/>
-              <a:t> </a:t>
-            </a:r>
-            <a:r>
-              <a:rPr lang="de-DE" dirty="0" err="1"/>
-              <a:t>software</a:t>
-            </a:r>
-            <a:r>
-              <a:rPr lang="de-DE" dirty="0"/>
-              <a:t> </a:t>
-            </a:r>
-            <a:r>
-              <a:rPr lang="de-DE" dirty="0" err="1"/>
-              <a:t>users</a:t>
-            </a:r>
-            <a:r>
-              <a:rPr lang="de-DE" dirty="0"/>
-              <a:t> </a:t>
-            </a:r>
-            <a:r>
-              <a:rPr lang="de-DE" dirty="0" err="1"/>
-              <a:t>with</a:t>
-            </a:r>
-            <a:r>
-              <a:rPr lang="de-DE" dirty="0"/>
-              <a:t> agile </a:t>
-            </a:r>
-            <a:br>
-              <a:rPr lang="de-DE" dirty="0"/>
-            </a:br>
-            <a:r>
-              <a:rPr lang="de-DE" dirty="0" err="1"/>
-              <a:t>tools</a:t>
-            </a:r>
-            <a:r>
-              <a:rPr lang="de-DE" dirty="0"/>
-              <a:t> </a:t>
-            </a:r>
-            <a:r>
-              <a:rPr lang="de-DE" dirty="0" err="1"/>
-              <a:t>to</a:t>
-            </a:r>
-            <a:r>
-              <a:rPr lang="de-DE" dirty="0"/>
-              <a:t> </a:t>
-            </a:r>
-            <a:r>
-              <a:rPr lang="de-DE" dirty="0" err="1"/>
-              <a:t>customize</a:t>
-            </a:r>
-            <a:r>
-              <a:rPr lang="de-DE" dirty="0"/>
-              <a:t>, </a:t>
-            </a:r>
-            <a:r>
-              <a:rPr lang="de-DE" dirty="0" err="1"/>
-              <a:t>extend</a:t>
-            </a:r>
-            <a:r>
-              <a:rPr lang="de-DE" dirty="0"/>
-              <a:t>, </a:t>
-            </a:r>
-            <a:r>
-              <a:rPr lang="de-DE" dirty="0" err="1"/>
-              <a:t>and</a:t>
-            </a:r>
-            <a:r>
-              <a:rPr lang="de-DE" dirty="0"/>
-              <a:t> </a:t>
-            </a:r>
-            <a:r>
-              <a:rPr lang="de-DE" dirty="0" err="1"/>
-              <a:t>integrate</a:t>
-            </a:r>
-            <a:r>
-              <a:rPr lang="de-DE" dirty="0"/>
-              <a:t> </a:t>
-            </a:r>
-            <a:r>
-              <a:rPr lang="de-DE" dirty="0" err="1"/>
-              <a:t>any</a:t>
-            </a:r>
-            <a:r>
-              <a:rPr lang="de-DE" dirty="0"/>
-              <a:t> API-</a:t>
-            </a:r>
-            <a:r>
-              <a:rPr lang="de-DE" dirty="0" err="1"/>
-              <a:t>enabled</a:t>
-            </a:r>
-            <a:r>
-              <a:rPr lang="de-DE" dirty="0"/>
-              <a:t> </a:t>
-            </a:r>
-            <a:r>
-              <a:rPr lang="de-DE" dirty="0" err="1"/>
-              <a:t>application</a:t>
-            </a:r>
-            <a:r>
-              <a:rPr lang="de-DE" dirty="0"/>
-              <a:t> </a:t>
-            </a:r>
-            <a:r>
-              <a:rPr lang="de-DE" dirty="0" err="1"/>
-              <a:t>and</a:t>
-            </a:r>
-            <a:r>
-              <a:rPr lang="de-DE" dirty="0"/>
-              <a:t> </a:t>
-            </a:r>
-            <a:r>
-              <a:rPr lang="de-DE" dirty="0" err="1"/>
-              <a:t>tailor</a:t>
-            </a:r>
-            <a:r>
-              <a:rPr lang="de-DE" dirty="0"/>
-              <a:t> </a:t>
-            </a:r>
-            <a:r>
-              <a:rPr lang="de-DE" dirty="0" err="1"/>
-              <a:t>it</a:t>
-            </a:r>
-            <a:r>
-              <a:rPr lang="de-DE" dirty="0"/>
-              <a:t> </a:t>
-            </a:r>
-            <a:r>
-              <a:rPr lang="de-DE" dirty="0" err="1"/>
-              <a:t>to</a:t>
-            </a:r>
-            <a:r>
-              <a:rPr lang="de-DE" dirty="0"/>
-              <a:t> </a:t>
-            </a:r>
-            <a:r>
-              <a:rPr lang="de-DE" dirty="0" err="1"/>
-              <a:t>their</a:t>
-            </a:r>
-            <a:r>
-              <a:rPr lang="de-DE" dirty="0"/>
-              <a:t> </a:t>
-            </a:r>
-            <a:r>
-              <a:rPr lang="de-DE" dirty="0" err="1"/>
-              <a:t>needs</a:t>
-            </a:r>
-            <a:r>
-              <a:rPr lang="de-DE" dirty="0"/>
-              <a:t>.</a:t>
-            </a:r>
-          </a:p>
-          <a:p>
-            <a:r>
-              <a:rPr lang="de-DE" dirty="0"/>
-              <a:t>Kyma </a:t>
-            </a:r>
-            <a:r>
-              <a:rPr lang="de-DE" dirty="0" err="1"/>
-              <a:t>makes</a:t>
-            </a:r>
-            <a:r>
-              <a:rPr lang="de-DE" dirty="0"/>
-              <a:t> </a:t>
-            </a:r>
-            <a:r>
-              <a:rPr lang="de-DE" dirty="0" err="1"/>
-              <a:t>the</a:t>
-            </a:r>
-            <a:r>
-              <a:rPr lang="de-DE" dirty="0"/>
-              <a:t> </a:t>
-            </a:r>
-            <a:r>
-              <a:rPr lang="de-DE" dirty="0" err="1"/>
-              <a:t>development</a:t>
-            </a:r>
-            <a:r>
-              <a:rPr lang="de-DE" dirty="0"/>
-              <a:t> </a:t>
-            </a:r>
-            <a:r>
-              <a:rPr lang="de-DE" dirty="0" err="1"/>
-              <a:t>and</a:t>
-            </a:r>
-            <a:r>
-              <a:rPr lang="de-DE" dirty="0"/>
-              <a:t> </a:t>
-            </a:r>
-            <a:r>
-              <a:rPr lang="de-DE" dirty="0" err="1"/>
-              <a:t>operation</a:t>
-            </a:r>
-            <a:r>
-              <a:rPr lang="de-DE" dirty="0"/>
-              <a:t> </a:t>
-            </a:r>
-            <a:r>
-              <a:rPr lang="de-DE" dirty="0" err="1"/>
-              <a:t>of</a:t>
-            </a:r>
-            <a:r>
-              <a:rPr lang="de-DE" dirty="0"/>
-              <a:t> </a:t>
-            </a:r>
-            <a:br>
-              <a:rPr lang="de-DE" dirty="0"/>
-            </a:br>
-            <a:r>
-              <a:rPr lang="de-DE" dirty="0" err="1"/>
-              <a:t>microservices-based</a:t>
-            </a:r>
-            <a:r>
-              <a:rPr lang="de-DE" dirty="0"/>
-              <a:t> </a:t>
-            </a:r>
-            <a:r>
-              <a:rPr lang="de-DE" dirty="0" err="1"/>
-              <a:t>solutions</a:t>
-            </a:r>
-            <a:r>
-              <a:rPr lang="de-DE" dirty="0"/>
-              <a:t> easy </a:t>
-            </a:r>
-            <a:r>
-              <a:rPr lang="de-DE" dirty="0" err="1"/>
-              <a:t>by</a:t>
-            </a:r>
-            <a:r>
-              <a:rPr lang="de-DE" dirty="0"/>
-              <a:t> </a:t>
-            </a:r>
-            <a:r>
-              <a:rPr lang="de-DE" dirty="0" err="1"/>
-              <a:t>providing</a:t>
-            </a:r>
-            <a:r>
-              <a:rPr lang="de-DE" dirty="0"/>
-              <a:t> </a:t>
-            </a:r>
-            <a:r>
-              <a:rPr lang="de-DE" dirty="0" err="1"/>
-              <a:t>consistent</a:t>
-            </a:r>
-            <a:r>
-              <a:rPr lang="de-DE" dirty="0"/>
-              <a:t> </a:t>
-            </a:r>
-            <a:r>
-              <a:rPr lang="de-DE" dirty="0" err="1"/>
-              <a:t>service</a:t>
-            </a:r>
-            <a:r>
-              <a:rPr lang="de-DE" dirty="0"/>
-              <a:t> </a:t>
-            </a:r>
-            <a:r>
-              <a:rPr lang="de-DE" dirty="0" err="1"/>
-              <a:t>management</a:t>
-            </a:r>
-            <a:r>
-              <a:rPr lang="de-DE" dirty="0"/>
-              <a:t> </a:t>
-            </a:r>
-            <a:r>
-              <a:rPr lang="de-DE" dirty="0" err="1"/>
-              <a:t>capabilities</a:t>
-            </a:r>
-            <a:r>
-              <a:rPr lang="de-DE" dirty="0"/>
-              <a:t> </a:t>
-            </a:r>
-            <a:r>
-              <a:rPr lang="de-DE" dirty="0" err="1"/>
-              <a:t>and</a:t>
-            </a:r>
-            <a:r>
-              <a:rPr lang="de-DE" dirty="0"/>
-              <a:t> </a:t>
-            </a:r>
-            <a:r>
-              <a:rPr lang="de-DE" dirty="0" err="1"/>
-              <a:t>the</a:t>
-            </a:r>
-            <a:r>
-              <a:rPr lang="de-DE" dirty="0"/>
-              <a:t> </a:t>
-            </a:r>
-            <a:r>
-              <a:rPr lang="de-DE" dirty="0" err="1"/>
-              <a:t>integration</a:t>
-            </a:r>
-            <a:r>
-              <a:rPr lang="de-DE" dirty="0"/>
-              <a:t> </a:t>
-            </a:r>
-            <a:r>
-              <a:rPr lang="de-DE" dirty="0" err="1"/>
-              <a:t>of</a:t>
-            </a:r>
-            <a:r>
-              <a:rPr lang="de-DE" dirty="0"/>
-              <a:t> </a:t>
-            </a:r>
-            <a:r>
-              <a:rPr lang="de-DE" dirty="0" err="1"/>
-              <a:t>the</a:t>
-            </a:r>
-            <a:r>
-              <a:rPr lang="de-DE" dirty="0"/>
-              <a:t> </a:t>
-            </a:r>
-            <a:r>
-              <a:rPr lang="de-DE" dirty="0" err="1"/>
-              <a:t>existing</a:t>
-            </a:r>
-            <a:r>
-              <a:rPr lang="de-DE" dirty="0"/>
-              <a:t> </a:t>
-            </a:r>
-            <a:r>
-              <a:rPr lang="de-DE" dirty="0" err="1"/>
-              <a:t>enterprise</a:t>
-            </a:r>
-            <a:r>
-              <a:rPr lang="de-DE" dirty="0"/>
-              <a:t> </a:t>
-            </a:r>
-            <a:r>
-              <a:rPr lang="de-DE" dirty="0" err="1"/>
-              <a:t>software</a:t>
-            </a:r>
-            <a:r>
-              <a:rPr lang="de-DE" dirty="0"/>
-              <a:t> in a service-</a:t>
-            </a:r>
-            <a:r>
-              <a:rPr lang="de-DE" dirty="0" err="1"/>
-              <a:t>oriented</a:t>
-            </a:r>
-            <a:r>
-              <a:rPr lang="de-DE" dirty="0"/>
-              <a:t> </a:t>
-            </a:r>
-            <a:r>
-              <a:rPr lang="de-DE" dirty="0" err="1"/>
-              <a:t>manner</a:t>
-            </a:r>
-            <a:r>
-              <a:rPr lang="de-DE" dirty="0"/>
+              <a:rPr lang="de-DE" sz="2400" dirty="0" err="1"/>
+              <a:t>natively</a:t>
+            </a:r>
+            <a:r>
+              <a:rPr lang="de-DE" sz="2400" dirty="0"/>
+              <a:t> on </a:t>
+            </a:r>
+            <a:r>
+              <a:rPr lang="de-DE" sz="2400" dirty="0" err="1"/>
+              <a:t>Kubernetes</a:t>
+            </a:r>
+            <a:r>
+              <a:rPr lang="de-DE" sz="2400" dirty="0"/>
               <a:t>.</a:t>
             </a:r>
           </a:p>
@@ -7050,10 +6694,10 @@
       </p:sp>
       <p:pic>
         <p:nvPicPr>
-          <p:cNvPr id="6" name="Graphic 5">
-            <a:extLst>
-              <a:ext uri="{FF2B5EF4-FFF2-40B4-BE49-F238E27FC236}">
-                <a16:creationId xmlns:a16="http://schemas.microsoft.com/office/drawing/2014/main" id="{18195A13-B7B8-B344-B3CF-C74EBA409F3E}"/>
+          <p:cNvPr id="12" name="Picture 11">
+            <a:extLst>
+              <a:ext uri="{FF2B5EF4-FFF2-40B4-BE49-F238E27FC236}">
+                <a16:creationId xmlns:a16="http://schemas.microsoft.com/office/drawing/2014/main" id="{61910FFC-CAED-47E6-99B8-5B4EA9A5B476}"/>
               </a:ext>
             </a:extLst>
           </p:cNvPr>
@@ -7063,21 +6707,15 @@
           <p:nvPr/>
         </p:nvPicPr>
         <p:blipFill>
-          <a:blip r:embed="rId2">
-            <a:extLst>
-              <a:ext uri="{96DAC541-7B7A-43D3-8B79-37D633B846F1}">
-                <asvg:svgBlip xmlns:asvg="http://schemas.microsoft.com/office/drawing/2016/SVG/main" r:embed="rId3"/>
-              </a:ext>
-            </a:extLst>
-          </a:blip>
+          <a:blip r:embed="rId2"/>
           <a:stretch>
             <a:fillRect/>
           </a:stretch>
         </p:blipFill>
         <p:spPr>
           <a:xfrm>
-            <a:off x="6861304" y="1558146"/>
-            <a:ext cx="4034493" cy="2917599"/>
+            <a:off x="1211844" y="1788271"/>
+            <a:ext cx="3255546" cy="2347163"/>
           </a:xfrm>
           <a:prstGeom prst="rect">
             <a:avLst/>
@@ -7087,7 +6725,7 @@
     </p:spTree>
     <p:extLst>
       <p:ext uri="{BB962C8B-B14F-4D97-AF65-F5344CB8AC3E}">
-        <p14:creationId xmlns:p14="http://schemas.microsoft.com/office/powerpoint/2010/main" val="205689153"/>
+        <p14:creationId xmlns:p14="http://schemas.microsoft.com/office/powerpoint/2010/main" val="1248798910"/>
       </p:ext>
     </p:extLst>
   </p:cSld>
@@ -7116,10 +6754,10 @@
       </p:grpSpPr>
       <p:sp>
         <p:nvSpPr>
-          <p:cNvPr id="3" name="Text Placeholder 2">
-            <a:extLst>
-              <a:ext uri="{FF2B5EF4-FFF2-40B4-BE49-F238E27FC236}">
-                <a16:creationId xmlns:a16="http://schemas.microsoft.com/office/drawing/2014/main" id="{448C4E42-19FC-DE45-8FDB-56DC2A07DE05}"/>
+          <p:cNvPr id="24" name="Title 1">
+            <a:extLst>
+              <a:ext uri="{FF2B5EF4-FFF2-40B4-BE49-F238E27FC236}">
+                <a16:creationId xmlns:a16="http://schemas.microsoft.com/office/drawing/2014/main" id="{70F2428B-66AB-4D21-B759-B35AD9A4A3F8}"/>
               </a:ext>
             </a:extLst>
           </p:cNvPr>
@@ -7127,413 +6765,37 @@
             <a:spLocks noGrp="1"/>
           </p:cNvSpPr>
           <p:nvPr>
-            <p:ph type="body" idx="1"/>
+            <p:ph type="title"/>
           </p:nvPr>
         </p:nvSpPr>
-        <p:spPr/>
+        <p:spPr>
+          <a:xfrm>
+            <a:off x="839788" y="365125"/>
+            <a:ext cx="10515600" cy="1325563"/>
+          </a:xfrm>
+        </p:spPr>
         <p:txBody>
           <a:bodyPr/>
           <a:lstStyle/>
           <a:p>
             <a:r>
-              <a:rPr lang="de-DE" dirty="0" err="1"/>
-              <a:t>What</a:t>
-            </a:r>
-            <a:r>
-              <a:rPr lang="de-DE" dirty="0"/>
-              <a:t> </a:t>
-            </a:r>
-            <a:r>
-              <a:rPr lang="de-DE" dirty="0" err="1"/>
-              <a:t>is</a:t>
-            </a:r>
-            <a:r>
-              <a:rPr lang="de-DE" dirty="0"/>
-              <a:t> Kyma?</a:t>
-            </a:r>
-          </a:p>
-        </p:txBody>
-      </p:sp>
-      <p:sp>
-        <p:nvSpPr>
-          <p:cNvPr id="4" name="Content Placeholder 3">
-            <a:extLst>
-              <a:ext uri="{FF2B5EF4-FFF2-40B4-BE49-F238E27FC236}">
-                <a16:creationId xmlns:a16="http://schemas.microsoft.com/office/drawing/2014/main" id="{4F89D6D1-7828-504B-9CD6-99DBBD3ACA3F}"/>
-              </a:ext>
-            </a:extLst>
-          </p:cNvPr>
-          <p:cNvSpPr>
-            <a:spLocks noGrp="1"/>
-          </p:cNvSpPr>
-          <p:nvPr>
-            <p:ph sz="half" idx="2"/>
-          </p:nvPr>
-        </p:nvSpPr>
-        <p:spPr/>
-        <p:txBody>
-          <a:bodyPr/>
-          <a:lstStyle/>
-          <a:p>
-            <a:r>
               <a:rPr lang="de-DE" dirty="0"/>
               <a:t>Kyma </a:t>
             </a:r>
             <a:r>
               <a:rPr lang="de-DE" dirty="0" err="1"/>
-              <a:t>is</a:t>
-            </a:r>
-            <a:r>
-              <a:rPr lang="de-DE" dirty="0"/>
-              <a:t> a </a:t>
-            </a:r>
-            <a:r>
-              <a:rPr lang="de-DE" dirty="0" err="1"/>
-              <a:t>cloud</a:t>
-            </a:r>
-            <a:r>
-              <a:rPr lang="de-DE" dirty="0"/>
-              <a:t>-native </a:t>
-            </a:r>
-            <a:r>
-              <a:rPr lang="de-DE" dirty="0" err="1"/>
-              <a:t>application</a:t>
-            </a:r>
-            <a:r>
-              <a:rPr lang="de-DE" dirty="0"/>
-              <a:t> </a:t>
-            </a:r>
-            <a:r>
-              <a:rPr lang="de-DE" dirty="0" err="1"/>
-              <a:t>development</a:t>
-            </a:r>
-            <a:r>
-              <a:rPr lang="de-DE" dirty="0"/>
-              <a:t> </a:t>
-            </a:r>
-            <a:r>
-              <a:rPr lang="de-DE" dirty="0" err="1"/>
-              <a:t>framework</a:t>
-            </a:r>
-            <a:r>
-              <a:rPr lang="de-DE" dirty="0"/>
-              <a:t>.</a:t>
-            </a:r>
-          </a:p>
-          <a:p>
-            <a:r>
-              <a:rPr lang="de-DE" dirty="0" err="1"/>
-              <a:t>It</a:t>
-            </a:r>
-            <a:r>
-              <a:rPr lang="de-DE" dirty="0"/>
-              <a:t> </a:t>
-            </a:r>
-            <a:r>
-              <a:rPr lang="de-DE" dirty="0" err="1"/>
-              <a:t>provides</a:t>
-            </a:r>
-            <a:r>
-              <a:rPr lang="de-DE" dirty="0"/>
-              <a:t> </a:t>
-            </a:r>
-            <a:r>
-              <a:rPr lang="de-DE" dirty="0" err="1"/>
-              <a:t>the</a:t>
-            </a:r>
-            <a:r>
-              <a:rPr lang="de-DE" dirty="0"/>
-              <a:t> last </a:t>
-            </a:r>
-            <a:r>
-              <a:rPr lang="de-DE" dirty="0" err="1"/>
-              <a:t>mile</a:t>
-            </a:r>
-            <a:r>
-              <a:rPr lang="de-DE" dirty="0"/>
-              <a:t> </a:t>
-            </a:r>
-            <a:r>
-              <a:rPr lang="de-DE" dirty="0" err="1"/>
-              <a:t>capabilities</a:t>
-            </a:r>
-            <a:r>
-              <a:rPr lang="de-DE" dirty="0"/>
-              <a:t> </a:t>
-            </a:r>
-            <a:r>
-              <a:rPr lang="de-DE" dirty="0" err="1"/>
-              <a:t>that</a:t>
-            </a:r>
-            <a:r>
-              <a:rPr lang="de-DE" dirty="0"/>
-              <a:t> a </a:t>
-            </a:r>
-            <a:r>
-              <a:rPr lang="de-DE" dirty="0" err="1"/>
-              <a:t>developer</a:t>
-            </a:r>
-            <a:r>
-              <a:rPr lang="de-DE" dirty="0"/>
-              <a:t> </a:t>
-            </a:r>
-            <a:r>
-              <a:rPr lang="de-DE" dirty="0" err="1"/>
-              <a:t>needs</a:t>
-            </a:r>
-            <a:r>
-              <a:rPr lang="de-DE" dirty="0"/>
-              <a:t> </a:t>
-            </a:r>
-            <a:br>
-              <a:rPr lang="de-DE" dirty="0"/>
-            </a:br>
-            <a:r>
-              <a:rPr lang="de-DE" dirty="0" err="1"/>
-              <a:t>to</a:t>
-            </a:r>
-            <a:r>
-              <a:rPr lang="de-DE" dirty="0"/>
-              <a:t> </a:t>
-            </a:r>
-            <a:r>
-              <a:rPr lang="de-DE" dirty="0" err="1"/>
-              <a:t>build</a:t>
-            </a:r>
-            <a:r>
-              <a:rPr lang="de-DE" dirty="0"/>
-              <a:t> a </a:t>
-            </a:r>
-            <a:r>
-              <a:rPr lang="de-DE" dirty="0" err="1"/>
-              <a:t>cloud</a:t>
-            </a:r>
-            <a:r>
-              <a:rPr lang="de-DE" dirty="0"/>
-              <a:t>-native </a:t>
-            </a:r>
-            <a:r>
-              <a:rPr lang="de-DE" dirty="0" err="1"/>
-              <a:t>application</a:t>
-            </a:r>
-            <a:r>
-              <a:rPr lang="de-DE" dirty="0"/>
-              <a:t> </a:t>
-            </a:r>
-            <a:r>
-              <a:rPr lang="de-DE" dirty="0" err="1"/>
-              <a:t>using</a:t>
-            </a:r>
-            <a:r>
-              <a:rPr lang="de-DE" dirty="0"/>
-              <a:t> </a:t>
-            </a:r>
-            <a:r>
-              <a:rPr lang="de-DE" dirty="0" err="1"/>
-              <a:t>several</a:t>
-            </a:r>
-            <a:r>
-              <a:rPr lang="de-DE" dirty="0"/>
-              <a:t> open-</a:t>
-            </a:r>
-            <a:r>
-              <a:rPr lang="de-DE" dirty="0" err="1"/>
-              <a:t>source</a:t>
-            </a:r>
-            <a:r>
-              <a:rPr lang="de-DE" dirty="0"/>
-              <a:t> </a:t>
-            </a:r>
-            <a:r>
-              <a:rPr lang="de-DE" dirty="0" err="1"/>
-              <a:t>projects</a:t>
-            </a:r>
-            <a:r>
-              <a:rPr lang="de-DE" dirty="0"/>
-              <a:t> such </a:t>
-            </a:r>
-            <a:r>
-              <a:rPr lang="de-DE" dirty="0" err="1"/>
-              <a:t>as</a:t>
-            </a:r>
-            <a:r>
-              <a:rPr lang="de-DE" dirty="0"/>
-              <a:t> </a:t>
-            </a:r>
-            <a:r>
-              <a:rPr lang="de-DE" dirty="0" err="1"/>
-              <a:t>Kubernetes</a:t>
-            </a:r>
-            <a:r>
-              <a:rPr lang="de-DE" dirty="0"/>
-              <a:t>, </a:t>
-            </a:r>
-            <a:r>
-              <a:rPr lang="de-DE" dirty="0" err="1"/>
-              <a:t>Istio</a:t>
-            </a:r>
-            <a:r>
-              <a:rPr lang="de-DE" dirty="0"/>
-              <a:t>, NATS, </a:t>
-            </a:r>
-            <a:r>
-              <a:rPr lang="de-DE" dirty="0" err="1"/>
-              <a:t>Kubeless</a:t>
-            </a:r>
-            <a:r>
-              <a:rPr lang="de-DE" dirty="0"/>
-              <a:t>, </a:t>
-            </a:r>
-            <a:r>
-              <a:rPr lang="de-DE" dirty="0" err="1"/>
-              <a:t>and</a:t>
-            </a:r>
-            <a:r>
-              <a:rPr lang="de-DE" dirty="0"/>
-              <a:t> Prometheus, </a:t>
-            </a:r>
-            <a:r>
-              <a:rPr lang="de-DE" dirty="0" err="1"/>
-              <a:t>to</a:t>
-            </a:r>
-            <a:r>
-              <a:rPr lang="de-DE" dirty="0"/>
-              <a:t> </a:t>
-            </a:r>
-            <a:r>
-              <a:rPr lang="de-DE" dirty="0" err="1"/>
-              <a:t>name</a:t>
-            </a:r>
-            <a:r>
-              <a:rPr lang="de-DE" dirty="0"/>
-              <a:t> a </a:t>
-            </a:r>
-            <a:r>
-              <a:rPr lang="de-DE" dirty="0" err="1"/>
-              <a:t>few</a:t>
-            </a:r>
-            <a:r>
-              <a:rPr lang="de-DE" dirty="0"/>
-              <a:t>.</a:t>
-            </a:r>
-          </a:p>
-          <a:p>
-            <a:r>
-              <a:rPr lang="de-DE" dirty="0" err="1"/>
-              <a:t>It</a:t>
-            </a:r>
-            <a:r>
-              <a:rPr lang="de-DE" dirty="0"/>
-              <a:t> </a:t>
-            </a:r>
-            <a:r>
-              <a:rPr lang="de-DE" dirty="0" err="1"/>
-              <a:t>is</a:t>
-            </a:r>
-            <a:r>
-              <a:rPr lang="de-DE" dirty="0"/>
-              <a:t> </a:t>
-            </a:r>
-            <a:r>
-              <a:rPr lang="de-DE" dirty="0" err="1"/>
-              <a:t>designed</a:t>
-            </a:r>
-            <a:r>
-              <a:rPr lang="de-DE" dirty="0"/>
-              <a:t> </a:t>
-            </a:r>
-            <a:r>
-              <a:rPr lang="de-DE" dirty="0" err="1"/>
-              <a:t>natively</a:t>
-            </a:r>
-            <a:r>
-              <a:rPr lang="de-DE" dirty="0"/>
-              <a:t> on </a:t>
-            </a:r>
-            <a:r>
-              <a:rPr lang="de-DE" dirty="0" err="1"/>
-              <a:t>Kubernetes</a:t>
-            </a:r>
-            <a:r>
-              <a:rPr lang="de-DE" dirty="0"/>
-              <a:t> </a:t>
-            </a:r>
-            <a:r>
-              <a:rPr lang="de-DE" dirty="0" err="1"/>
-              <a:t>and</a:t>
-            </a:r>
-            <a:r>
-              <a:rPr lang="de-DE" dirty="0"/>
-              <a:t>, </a:t>
-            </a:r>
-            <a:r>
-              <a:rPr lang="de-DE" dirty="0" err="1"/>
-              <a:t>therefore</a:t>
-            </a:r>
-            <a:r>
-              <a:rPr lang="de-DE" dirty="0"/>
-              <a:t>, </a:t>
-            </a:r>
-            <a:br>
-              <a:rPr lang="de-DE" dirty="0"/>
-            </a:br>
-            <a:r>
-              <a:rPr lang="de-DE" dirty="0" err="1"/>
-              <a:t>it</a:t>
-            </a:r>
-            <a:r>
-              <a:rPr lang="de-DE" dirty="0"/>
-              <a:t> </a:t>
-            </a:r>
-            <a:r>
-              <a:rPr lang="de-DE" dirty="0" err="1"/>
-              <a:t>is</a:t>
-            </a:r>
-            <a:r>
-              <a:rPr lang="de-DE" dirty="0"/>
-              <a:t> portable </a:t>
-            </a:r>
-            <a:r>
-              <a:rPr lang="de-DE" dirty="0" err="1"/>
-              <a:t>to</a:t>
-            </a:r>
-            <a:r>
-              <a:rPr lang="de-DE" dirty="0"/>
-              <a:t> all </a:t>
-            </a:r>
-            <a:r>
-              <a:rPr lang="de-DE" dirty="0" err="1"/>
-              <a:t>major</a:t>
-            </a:r>
-            <a:r>
-              <a:rPr lang="de-DE" dirty="0"/>
-              <a:t> </a:t>
-            </a:r>
-            <a:r>
-              <a:rPr lang="de-DE" dirty="0" err="1"/>
-              <a:t>cloud</a:t>
-            </a:r>
-            <a:r>
-              <a:rPr lang="de-DE" dirty="0"/>
-              <a:t> </a:t>
-            </a:r>
-            <a:r>
-              <a:rPr lang="de-DE" dirty="0" err="1"/>
-              <a:t>providers</a:t>
-            </a:r>
-            <a:r>
-              <a:rPr lang="de-DE" dirty="0"/>
-              <a:t>.</a:t>
-            </a:r>
+              <a:t>features</a:t>
+            </a:r>
+            <a:endParaRPr lang="de-DE" dirty="0"/>
           </a:p>
         </p:txBody>
       </p:sp>
       <p:pic>
         <p:nvPicPr>
-          <p:cNvPr id="13" name="Graphic 12">
-            <a:extLst>
-              <a:ext uri="{FF2B5EF4-FFF2-40B4-BE49-F238E27FC236}">
-                <a16:creationId xmlns:a16="http://schemas.microsoft.com/office/drawing/2014/main" id="{01570E5E-8534-C94B-9F13-0CB9BE6499C6}"/>
+          <p:cNvPr id="25" name="Graphic 24">
+            <a:extLst>
+              <a:ext uri="{FF2B5EF4-FFF2-40B4-BE49-F238E27FC236}">
+                <a16:creationId xmlns:a16="http://schemas.microsoft.com/office/drawing/2014/main" id="{D2948F3A-01F1-4F2A-86DD-182FE48C433A}"/>
               </a:ext>
             </a:extLst>
           </p:cNvPr>
@@ -7556,8 +6818,8 @@
         </p:blipFill>
         <p:spPr>
           <a:xfrm>
-            <a:off x="1655546" y="1584910"/>
-            <a:ext cx="3176336" cy="2880641"/>
+            <a:off x="5124176" y="2753526"/>
+            <a:ext cx="1811246" cy="2320318"/>
           </a:xfrm>
           <a:prstGeom prst="rect">
             <a:avLst/>
@@ -7566,10 +6828,10 @@
       </p:pic>
       <p:pic>
         <p:nvPicPr>
-          <p:cNvPr id="18" name="Graphic 17">
-            <a:extLst>
-              <a:ext uri="{FF2B5EF4-FFF2-40B4-BE49-F238E27FC236}">
-                <a16:creationId xmlns:a16="http://schemas.microsoft.com/office/drawing/2014/main" id="{530832ED-7BAA-6546-809F-74A211A00B27}"/>
+          <p:cNvPr id="26" name="Graphic 25">
+            <a:extLst>
+              <a:ext uri="{FF2B5EF4-FFF2-40B4-BE49-F238E27FC236}">
+                <a16:creationId xmlns:a16="http://schemas.microsoft.com/office/drawing/2014/main" id="{62B6416C-1BC7-4F27-8367-F57087A91557}"/>
               </a:ext>
             </a:extLst>
           </p:cNvPr>
@@ -7592,18 +6854,509 @@
         </p:blipFill>
         <p:spPr>
           <a:xfrm>
-            <a:off x="6289911" y="4560840"/>
-            <a:ext cx="1333297" cy="298982"/>
+            <a:off x="1334727" y="2792748"/>
+            <a:ext cx="2231651" cy="2054818"/>
           </a:xfrm>
           <a:prstGeom prst="rect">
             <a:avLst/>
           </a:prstGeom>
         </p:spPr>
       </p:pic>
+      <p:pic>
+        <p:nvPicPr>
+          <p:cNvPr id="27" name="Graphic 26">
+            <a:extLst>
+              <a:ext uri="{FF2B5EF4-FFF2-40B4-BE49-F238E27FC236}">
+                <a16:creationId xmlns:a16="http://schemas.microsoft.com/office/drawing/2014/main" id="{F4DA8262-7EDA-4379-8BE9-920FF589DF3A}"/>
+              </a:ext>
+            </a:extLst>
+          </p:cNvPr>
+          <p:cNvPicPr>
+            <a:picLocks noChangeAspect="1"/>
+          </p:cNvPicPr>
+          <p:nvPr/>
+        </p:nvPicPr>
+        <p:blipFill>
+          <a:blip r:embed="rId6">
+            <a:extLst>
+              <a:ext uri="{96DAC541-7B7A-43D3-8B79-37D633B846F1}">
+                <asvg:svgBlip xmlns:asvg="http://schemas.microsoft.com/office/drawing/2016/SVG/main" r:embed="rId7"/>
+              </a:ext>
+            </a:extLst>
+          </a:blip>
+          <a:stretch>
+            <a:fillRect/>
+          </a:stretch>
+        </p:blipFill>
+        <p:spPr>
+          <a:xfrm>
+            <a:off x="8498697" y="2830985"/>
+            <a:ext cx="2158080" cy="2053065"/>
+          </a:xfrm>
+          <a:prstGeom prst="rect">
+            <a:avLst/>
+          </a:prstGeom>
+        </p:spPr>
+      </p:pic>
+      <p:sp>
+        <p:nvSpPr>
+          <p:cNvPr id="28" name="Content Placeholder 3">
+            <a:extLst>
+              <a:ext uri="{FF2B5EF4-FFF2-40B4-BE49-F238E27FC236}">
+                <a16:creationId xmlns:a16="http://schemas.microsoft.com/office/drawing/2014/main" id="{7E6F0017-B78F-4E05-AA6B-5DFC8B56DD98}"/>
+              </a:ext>
+            </a:extLst>
+          </p:cNvPr>
+          <p:cNvSpPr>
+            <a:spLocks noGrp="1"/>
+          </p:cNvSpPr>
+          <p:nvPr>
+            <p:ph sz="half" idx="2"/>
+          </p:nvPr>
+        </p:nvSpPr>
+        <p:spPr>
+          <a:xfrm>
+            <a:off x="1068693" y="2066938"/>
+            <a:ext cx="5157787" cy="1845878"/>
+          </a:xfrm>
+        </p:spPr>
+        <p:txBody>
+          <a:bodyPr/>
+          <a:lstStyle/>
+          <a:p>
+            <a:pPr marL="0" indent="0">
+              <a:lnSpc>
+                <a:spcPct val="150000"/>
+              </a:lnSpc>
+              <a:spcBef>
+                <a:spcPts val="200"/>
+              </a:spcBef>
+              <a:buNone/>
+            </a:pPr>
+            <a:r>
+              <a:rPr lang="en-US" sz="2400" b="1" dirty="0"/>
+              <a:t>Application Connector</a:t>
+            </a:r>
+            <a:endParaRPr lang="en-US" sz="2000" dirty="0"/>
+          </a:p>
+        </p:txBody>
+      </p:sp>
+      <p:sp>
+        <p:nvSpPr>
+          <p:cNvPr id="29" name="Content Placeholder 3">
+            <a:extLst>
+              <a:ext uri="{FF2B5EF4-FFF2-40B4-BE49-F238E27FC236}">
+                <a16:creationId xmlns:a16="http://schemas.microsoft.com/office/drawing/2014/main" id="{DCA656E9-E8BB-45E4-AD3A-25B69E1F6668}"/>
+              </a:ext>
+            </a:extLst>
+          </p:cNvPr>
+          <p:cNvSpPr txBox="1">
+            <a:spLocks/>
+          </p:cNvSpPr>
+          <p:nvPr/>
+        </p:nvSpPr>
+        <p:spPr>
+          <a:xfrm>
+            <a:off x="5335893" y="2066938"/>
+            <a:ext cx="5157787" cy="1845878"/>
+          </a:xfrm>
+          <a:prstGeom prst="rect">
+            <a:avLst/>
+          </a:prstGeom>
+        </p:spPr>
+        <p:txBody>
+          <a:bodyPr/>
+          <a:lstStyle>
+            <a:lvl1pPr marL="0" indent="0" algn="l" defTabSz="914400" rtl="0" eaLnBrk="1" latinLnBrk="0" hangingPunct="1">
+              <a:lnSpc>
+                <a:spcPct val="100000"/>
+              </a:lnSpc>
+              <a:spcBef>
+                <a:spcPts val="1000"/>
+              </a:spcBef>
+              <a:buFont typeface="Arial" panose="020B0604020202020204" pitchFamily="34" charset="0"/>
+              <a:buNone/>
+              <a:defRPr sz="1400" kern="1200">
+                <a:solidFill>
+                  <a:srgbClr val="485766"/>
+                </a:solidFill>
+                <a:latin typeface="Arial" panose="020B0604020202020204" pitchFamily="34" charset="0"/>
+                <a:ea typeface="+mn-ea"/>
+                <a:cs typeface="Arial" panose="020B0604020202020204" pitchFamily="34" charset="0"/>
+              </a:defRPr>
+            </a:lvl1pPr>
+            <a:lvl2pPr marL="457200" indent="0" algn="l" defTabSz="914400" rtl="0" eaLnBrk="1" latinLnBrk="0" hangingPunct="1">
+              <a:lnSpc>
+                <a:spcPct val="90000"/>
+              </a:lnSpc>
+              <a:spcBef>
+                <a:spcPts val="500"/>
+              </a:spcBef>
+              <a:buFont typeface="Arial" panose="020B0604020202020204" pitchFamily="34" charset="0"/>
+              <a:buNone/>
+              <a:defRPr sz="1800" kern="1200">
+                <a:solidFill>
+                  <a:srgbClr val="485766"/>
+                </a:solidFill>
+                <a:latin typeface="Arial" panose="020B0604020202020204" pitchFamily="34" charset="0"/>
+                <a:ea typeface="+mn-ea"/>
+                <a:cs typeface="Arial" panose="020B0604020202020204" pitchFamily="34" charset="0"/>
+              </a:defRPr>
+            </a:lvl2pPr>
+            <a:lvl3pPr marL="914400" indent="0" algn="l" defTabSz="914400" rtl="0" eaLnBrk="1" latinLnBrk="0" hangingPunct="1">
+              <a:lnSpc>
+                <a:spcPct val="90000"/>
+              </a:lnSpc>
+              <a:spcBef>
+                <a:spcPts val="500"/>
+              </a:spcBef>
+              <a:buFont typeface="Arial" panose="020B0604020202020204" pitchFamily="34" charset="0"/>
+              <a:buNone/>
+              <a:defRPr sz="1600" kern="1200">
+                <a:solidFill>
+                  <a:srgbClr val="485766"/>
+                </a:solidFill>
+                <a:latin typeface="Arial" panose="020B0604020202020204" pitchFamily="34" charset="0"/>
+                <a:ea typeface="+mn-ea"/>
+                <a:cs typeface="Arial" panose="020B0604020202020204" pitchFamily="34" charset="0"/>
+              </a:defRPr>
+            </a:lvl3pPr>
+            <a:lvl4pPr marL="1371600" indent="0" algn="l" defTabSz="914400" rtl="0" eaLnBrk="1" latinLnBrk="0" hangingPunct="1">
+              <a:lnSpc>
+                <a:spcPct val="90000"/>
+              </a:lnSpc>
+              <a:spcBef>
+                <a:spcPts val="500"/>
+              </a:spcBef>
+              <a:buFont typeface="Arial" panose="020B0604020202020204" pitchFamily="34" charset="0"/>
+              <a:buNone/>
+              <a:defRPr sz="1400" kern="1200">
+                <a:solidFill>
+                  <a:srgbClr val="485766"/>
+                </a:solidFill>
+                <a:latin typeface="Arial" panose="020B0604020202020204" pitchFamily="34" charset="0"/>
+                <a:ea typeface="+mn-ea"/>
+                <a:cs typeface="Arial" panose="020B0604020202020204" pitchFamily="34" charset="0"/>
+              </a:defRPr>
+            </a:lvl4pPr>
+            <a:lvl5pPr marL="1828800" indent="0" algn="l" defTabSz="914400" rtl="0" eaLnBrk="1" latinLnBrk="0" hangingPunct="1">
+              <a:lnSpc>
+                <a:spcPct val="90000"/>
+              </a:lnSpc>
+              <a:spcBef>
+                <a:spcPts val="500"/>
+              </a:spcBef>
+              <a:buFont typeface="Arial" panose="020B0604020202020204" pitchFamily="34" charset="0"/>
+              <a:buNone/>
+              <a:defRPr sz="1200" kern="1200">
+                <a:solidFill>
+                  <a:srgbClr val="485766"/>
+                </a:solidFill>
+                <a:latin typeface="Arial" panose="020B0604020202020204" pitchFamily="34" charset="0"/>
+                <a:ea typeface="+mn-ea"/>
+                <a:cs typeface="Arial" panose="020B0604020202020204" pitchFamily="34" charset="0"/>
+              </a:defRPr>
+            </a:lvl5pPr>
+            <a:lvl6pPr marL="2514600" indent="-228600" algn="l" defTabSz="914400" rtl="0" eaLnBrk="1" latinLnBrk="0" hangingPunct="1">
+              <a:lnSpc>
+                <a:spcPct val="90000"/>
+              </a:lnSpc>
+              <a:spcBef>
+                <a:spcPts val="500"/>
+              </a:spcBef>
+              <a:buFont typeface="Arial" panose="020B0604020202020204" pitchFamily="34" charset="0"/>
+              <a:buChar char="•"/>
+              <a:defRPr sz="1800" kern="1200">
+                <a:solidFill>
+                  <a:schemeClr val="tx1"/>
+                </a:solidFill>
+                <a:latin typeface="+mn-lt"/>
+                <a:ea typeface="+mn-ea"/>
+                <a:cs typeface="+mn-cs"/>
+              </a:defRPr>
+            </a:lvl6pPr>
+            <a:lvl7pPr marL="2971800" indent="-228600" algn="l" defTabSz="914400" rtl="0" eaLnBrk="1" latinLnBrk="0" hangingPunct="1">
+              <a:lnSpc>
+                <a:spcPct val="90000"/>
+              </a:lnSpc>
+              <a:spcBef>
+                <a:spcPts val="500"/>
+              </a:spcBef>
+              <a:buFont typeface="Arial" panose="020B0604020202020204" pitchFamily="34" charset="0"/>
+              <a:buChar char="•"/>
+              <a:defRPr sz="1800" kern="1200">
+                <a:solidFill>
+                  <a:schemeClr val="tx1"/>
+                </a:solidFill>
+                <a:latin typeface="+mn-lt"/>
+                <a:ea typeface="+mn-ea"/>
+                <a:cs typeface="+mn-cs"/>
+              </a:defRPr>
+            </a:lvl7pPr>
+            <a:lvl8pPr marL="3429000" indent="-228600" algn="l" defTabSz="914400" rtl="0" eaLnBrk="1" latinLnBrk="0" hangingPunct="1">
+              <a:lnSpc>
+                <a:spcPct val="90000"/>
+              </a:lnSpc>
+              <a:spcBef>
+                <a:spcPts val="500"/>
+              </a:spcBef>
+              <a:buFont typeface="Arial" panose="020B0604020202020204" pitchFamily="34" charset="0"/>
+              <a:buChar char="•"/>
+              <a:defRPr sz="1800" kern="1200">
+                <a:solidFill>
+                  <a:schemeClr val="tx1"/>
+                </a:solidFill>
+                <a:latin typeface="+mn-lt"/>
+                <a:ea typeface="+mn-ea"/>
+                <a:cs typeface="+mn-cs"/>
+              </a:defRPr>
+            </a:lvl8pPr>
+            <a:lvl9pPr marL="3886200" indent="-228600" algn="l" defTabSz="914400" rtl="0" eaLnBrk="1" latinLnBrk="0" hangingPunct="1">
+              <a:lnSpc>
+                <a:spcPct val="90000"/>
+              </a:lnSpc>
+              <a:spcBef>
+                <a:spcPts val="500"/>
+              </a:spcBef>
+              <a:buFont typeface="Arial" panose="020B0604020202020204" pitchFamily="34" charset="0"/>
+              <a:buChar char="•"/>
+              <a:defRPr sz="1800" kern="1200">
+                <a:solidFill>
+                  <a:schemeClr val="tx1"/>
+                </a:solidFill>
+                <a:latin typeface="+mn-lt"/>
+                <a:ea typeface="+mn-ea"/>
+                <a:cs typeface="+mn-cs"/>
+              </a:defRPr>
+            </a:lvl9pPr>
+          </a:lstStyle>
+          <a:p>
+            <a:pPr>
+              <a:lnSpc>
+                <a:spcPct val="150000"/>
+              </a:lnSpc>
+              <a:spcBef>
+                <a:spcPts val="200"/>
+              </a:spcBef>
+            </a:pPr>
+            <a:r>
+              <a:rPr lang="en-US" sz="2400" b="1" dirty="0"/>
+              <a:t>Serverless</a:t>
+            </a:r>
+            <a:endParaRPr lang="en-US" sz="2000" dirty="0"/>
+          </a:p>
+        </p:txBody>
+      </p:sp>
+      <p:sp>
+        <p:nvSpPr>
+          <p:cNvPr id="30" name="Content Placeholder 3">
+            <a:extLst>
+              <a:ext uri="{FF2B5EF4-FFF2-40B4-BE49-F238E27FC236}">
+                <a16:creationId xmlns:a16="http://schemas.microsoft.com/office/drawing/2014/main" id="{F09C5BEF-21BE-4022-9003-E5920BF509B2}"/>
+              </a:ext>
+            </a:extLst>
+          </p:cNvPr>
+          <p:cNvSpPr txBox="1">
+            <a:spLocks/>
+          </p:cNvSpPr>
+          <p:nvPr/>
+        </p:nvSpPr>
+        <p:spPr>
+          <a:xfrm>
+            <a:off x="8278380" y="2054676"/>
+            <a:ext cx="3655474" cy="1845878"/>
+          </a:xfrm>
+          <a:prstGeom prst="rect">
+            <a:avLst/>
+          </a:prstGeom>
+        </p:spPr>
+        <p:txBody>
+          <a:bodyPr/>
+          <a:lstStyle>
+            <a:lvl1pPr marL="0" indent="0" algn="l" defTabSz="914400" rtl="0" eaLnBrk="1" latinLnBrk="0" hangingPunct="1">
+              <a:lnSpc>
+                <a:spcPct val="100000"/>
+              </a:lnSpc>
+              <a:spcBef>
+                <a:spcPts val="1000"/>
+              </a:spcBef>
+              <a:buFont typeface="Arial" panose="020B0604020202020204" pitchFamily="34" charset="0"/>
+              <a:buNone/>
+              <a:defRPr sz="1400" kern="1200">
+                <a:solidFill>
+                  <a:srgbClr val="485766"/>
+                </a:solidFill>
+                <a:latin typeface="Arial" panose="020B0604020202020204" pitchFamily="34" charset="0"/>
+                <a:ea typeface="+mn-ea"/>
+                <a:cs typeface="Arial" panose="020B0604020202020204" pitchFamily="34" charset="0"/>
+              </a:defRPr>
+            </a:lvl1pPr>
+            <a:lvl2pPr marL="457200" indent="0" algn="l" defTabSz="914400" rtl="0" eaLnBrk="1" latinLnBrk="0" hangingPunct="1">
+              <a:lnSpc>
+                <a:spcPct val="90000"/>
+              </a:lnSpc>
+              <a:spcBef>
+                <a:spcPts val="500"/>
+              </a:spcBef>
+              <a:buFont typeface="Arial" panose="020B0604020202020204" pitchFamily="34" charset="0"/>
+              <a:buNone/>
+              <a:defRPr sz="1800" kern="1200">
+                <a:solidFill>
+                  <a:srgbClr val="485766"/>
+                </a:solidFill>
+                <a:latin typeface="Arial" panose="020B0604020202020204" pitchFamily="34" charset="0"/>
+                <a:ea typeface="+mn-ea"/>
+                <a:cs typeface="Arial" panose="020B0604020202020204" pitchFamily="34" charset="0"/>
+              </a:defRPr>
+            </a:lvl2pPr>
+            <a:lvl3pPr marL="914400" indent="0" algn="l" defTabSz="914400" rtl="0" eaLnBrk="1" latinLnBrk="0" hangingPunct="1">
+              <a:lnSpc>
+                <a:spcPct val="90000"/>
+              </a:lnSpc>
+              <a:spcBef>
+                <a:spcPts val="500"/>
+              </a:spcBef>
+              <a:buFont typeface="Arial" panose="020B0604020202020204" pitchFamily="34" charset="0"/>
+              <a:buNone/>
+              <a:defRPr sz="1600" kern="1200">
+                <a:solidFill>
+                  <a:srgbClr val="485766"/>
+                </a:solidFill>
+                <a:latin typeface="Arial" panose="020B0604020202020204" pitchFamily="34" charset="0"/>
+                <a:ea typeface="+mn-ea"/>
+                <a:cs typeface="Arial" panose="020B0604020202020204" pitchFamily="34" charset="0"/>
+              </a:defRPr>
+            </a:lvl3pPr>
+            <a:lvl4pPr marL="1371600" indent="0" algn="l" defTabSz="914400" rtl="0" eaLnBrk="1" latinLnBrk="0" hangingPunct="1">
+              <a:lnSpc>
+                <a:spcPct val="90000"/>
+              </a:lnSpc>
+              <a:spcBef>
+                <a:spcPts val="500"/>
+              </a:spcBef>
+              <a:buFont typeface="Arial" panose="020B0604020202020204" pitchFamily="34" charset="0"/>
+              <a:buNone/>
+              <a:defRPr sz="1400" kern="1200">
+                <a:solidFill>
+                  <a:srgbClr val="485766"/>
+                </a:solidFill>
+                <a:latin typeface="Arial" panose="020B0604020202020204" pitchFamily="34" charset="0"/>
+                <a:ea typeface="+mn-ea"/>
+                <a:cs typeface="Arial" panose="020B0604020202020204" pitchFamily="34" charset="0"/>
+              </a:defRPr>
+            </a:lvl4pPr>
+            <a:lvl5pPr marL="1828800" indent="0" algn="l" defTabSz="914400" rtl="0" eaLnBrk="1" latinLnBrk="0" hangingPunct="1">
+              <a:lnSpc>
+                <a:spcPct val="90000"/>
+              </a:lnSpc>
+              <a:spcBef>
+                <a:spcPts val="500"/>
+              </a:spcBef>
+              <a:buFont typeface="Arial" panose="020B0604020202020204" pitchFamily="34" charset="0"/>
+              <a:buNone/>
+              <a:defRPr sz="1200" kern="1200">
+                <a:solidFill>
+                  <a:srgbClr val="485766"/>
+                </a:solidFill>
+                <a:latin typeface="Arial" panose="020B0604020202020204" pitchFamily="34" charset="0"/>
+                <a:ea typeface="+mn-ea"/>
+                <a:cs typeface="Arial" panose="020B0604020202020204" pitchFamily="34" charset="0"/>
+              </a:defRPr>
+            </a:lvl5pPr>
+            <a:lvl6pPr marL="2514600" indent="-228600" algn="l" defTabSz="914400" rtl="0" eaLnBrk="1" latinLnBrk="0" hangingPunct="1">
+              <a:lnSpc>
+                <a:spcPct val="90000"/>
+              </a:lnSpc>
+              <a:spcBef>
+                <a:spcPts val="500"/>
+              </a:spcBef>
+              <a:buFont typeface="Arial" panose="020B0604020202020204" pitchFamily="34" charset="0"/>
+              <a:buChar char="•"/>
+              <a:defRPr sz="1800" kern="1200">
+                <a:solidFill>
+                  <a:schemeClr val="tx1"/>
+                </a:solidFill>
+                <a:latin typeface="+mn-lt"/>
+                <a:ea typeface="+mn-ea"/>
+                <a:cs typeface="+mn-cs"/>
+              </a:defRPr>
+            </a:lvl6pPr>
+            <a:lvl7pPr marL="2971800" indent="-228600" algn="l" defTabSz="914400" rtl="0" eaLnBrk="1" latinLnBrk="0" hangingPunct="1">
+              <a:lnSpc>
+                <a:spcPct val="90000"/>
+              </a:lnSpc>
+              <a:spcBef>
+                <a:spcPts val="500"/>
+              </a:spcBef>
+              <a:buFont typeface="Arial" panose="020B0604020202020204" pitchFamily="34" charset="0"/>
+              <a:buChar char="•"/>
+              <a:defRPr sz="1800" kern="1200">
+                <a:solidFill>
+                  <a:schemeClr val="tx1"/>
+                </a:solidFill>
+                <a:latin typeface="+mn-lt"/>
+                <a:ea typeface="+mn-ea"/>
+                <a:cs typeface="+mn-cs"/>
+              </a:defRPr>
+            </a:lvl7pPr>
+            <a:lvl8pPr marL="3429000" indent="-228600" algn="l" defTabSz="914400" rtl="0" eaLnBrk="1" latinLnBrk="0" hangingPunct="1">
+              <a:lnSpc>
+                <a:spcPct val="90000"/>
+              </a:lnSpc>
+              <a:spcBef>
+                <a:spcPts val="500"/>
+              </a:spcBef>
+              <a:buFont typeface="Arial" panose="020B0604020202020204" pitchFamily="34" charset="0"/>
+              <a:buChar char="•"/>
+              <a:defRPr sz="1800" kern="1200">
+                <a:solidFill>
+                  <a:schemeClr val="tx1"/>
+                </a:solidFill>
+                <a:latin typeface="+mn-lt"/>
+                <a:ea typeface="+mn-ea"/>
+                <a:cs typeface="+mn-cs"/>
+              </a:defRPr>
+            </a:lvl8pPr>
+            <a:lvl9pPr marL="3886200" indent="-228600" algn="l" defTabSz="914400" rtl="0" eaLnBrk="1" latinLnBrk="0" hangingPunct="1">
+              <a:lnSpc>
+                <a:spcPct val="90000"/>
+              </a:lnSpc>
+              <a:spcBef>
+                <a:spcPts val="500"/>
+              </a:spcBef>
+              <a:buFont typeface="Arial" panose="020B0604020202020204" pitchFamily="34" charset="0"/>
+              <a:buChar char="•"/>
+              <a:defRPr sz="1800" kern="1200">
+                <a:solidFill>
+                  <a:schemeClr val="tx1"/>
+                </a:solidFill>
+                <a:latin typeface="+mn-lt"/>
+                <a:ea typeface="+mn-ea"/>
+                <a:cs typeface="+mn-cs"/>
+              </a:defRPr>
+            </a:lvl9pPr>
+          </a:lstStyle>
+          <a:p>
+            <a:pPr>
+              <a:lnSpc>
+                <a:spcPct val="150000"/>
+              </a:lnSpc>
+              <a:spcBef>
+                <a:spcPts val="200"/>
+              </a:spcBef>
+            </a:pPr>
+            <a:r>
+              <a:rPr lang="en-US" sz="2400" b="1" dirty="0"/>
+              <a:t>Service Management</a:t>
+            </a:r>
+            <a:endParaRPr lang="en-US" sz="2000" dirty="0"/>
+          </a:p>
+        </p:txBody>
+      </p:sp>
     </p:spTree>
     <p:extLst>
       <p:ext uri="{BB962C8B-B14F-4D97-AF65-F5344CB8AC3E}">
-        <p14:creationId xmlns:p14="http://schemas.microsoft.com/office/powerpoint/2010/main" val="1248798910"/>
+        <p14:creationId xmlns:p14="http://schemas.microsoft.com/office/powerpoint/2010/main" val="1721771977"/>
       </p:ext>
     </p:extLst>
   </p:cSld>
@@ -7632,10 +7385,10 @@
       </p:grpSpPr>
       <p:sp>
         <p:nvSpPr>
-          <p:cNvPr id="2" name="Title 1">
-            <a:extLst>
-              <a:ext uri="{FF2B5EF4-FFF2-40B4-BE49-F238E27FC236}">
-                <a16:creationId xmlns:a16="http://schemas.microsoft.com/office/drawing/2014/main" id="{FADE8ADC-986D-DA43-9DD8-24ECDE8C4743}"/>
+          <p:cNvPr id="12" name="Title 1">
+            <a:extLst>
+              <a:ext uri="{FF2B5EF4-FFF2-40B4-BE49-F238E27FC236}">
+                <a16:creationId xmlns:a16="http://schemas.microsoft.com/office/drawing/2014/main" id="{D91704F8-9543-40CF-ABDE-57917A5E6FFF}"/>
               </a:ext>
             </a:extLst>
           </p:cNvPr>
@@ -7646,730 +7399,875 @@
             <p:ph type="title"/>
           </p:nvPr>
         </p:nvSpPr>
-        <p:spPr/>
+        <p:spPr>
+          <a:xfrm>
+            <a:off x="839788" y="365126"/>
+            <a:ext cx="10515600" cy="722530"/>
+          </a:xfrm>
+        </p:spPr>
         <p:txBody>
           <a:bodyPr/>
           <a:lstStyle/>
           <a:p>
-            <a:endParaRPr lang="de-DE"/>
+            <a:r>
+              <a:rPr lang="de-DE" dirty="0"/>
+              <a:t>Kyma Color Palette </a:t>
+            </a:r>
           </a:p>
         </p:txBody>
       </p:sp>
       <p:sp>
         <p:nvSpPr>
-          <p:cNvPr id="3" name="Text Placeholder 2">
-            <a:extLst>
-              <a:ext uri="{FF2B5EF4-FFF2-40B4-BE49-F238E27FC236}">
-                <a16:creationId xmlns:a16="http://schemas.microsoft.com/office/drawing/2014/main" id="{A081EF0F-CBB4-4E4C-8EBE-6DACC7ED1A7A}"/>
-              </a:ext>
-            </a:extLst>
-          </p:cNvPr>
-          <p:cNvSpPr>
-            <a:spLocks noGrp="1"/>
+          <p:cNvPr id="13" name="Title 1">
+            <a:extLst>
+              <a:ext uri="{FF2B5EF4-FFF2-40B4-BE49-F238E27FC236}">
+                <a16:creationId xmlns:a16="http://schemas.microsoft.com/office/drawing/2014/main" id="{730A8E2C-AF3A-44DB-96F6-96E233355CF4}"/>
+              </a:ext>
+            </a:extLst>
+          </p:cNvPr>
+          <p:cNvSpPr txBox="1">
+            <a:spLocks/>
           </p:cNvSpPr>
-          <p:nvPr>
-            <p:ph type="body" idx="1"/>
-          </p:nvPr>
+          <p:nvPr/>
         </p:nvSpPr>
-        <p:spPr/>
-        <p:txBody>
-          <a:bodyPr/>
-          <a:lstStyle/>
-          <a:p>
-            <a:r>
-              <a:rPr lang="de-DE" dirty="0"/>
-              <a:t>Open </a:t>
-            </a:r>
-            <a:r>
-              <a:rPr lang="de-DE" dirty="0" err="1"/>
-              <a:t>and</a:t>
-            </a:r>
-            <a:r>
-              <a:rPr lang="de-DE" dirty="0"/>
-              <a:t> </a:t>
-            </a:r>
-            <a:r>
-              <a:rPr lang="de-DE" dirty="0" err="1"/>
-              <a:t>extendable</a:t>
-            </a:r>
-            <a:endParaRPr lang="de-DE" dirty="0"/>
-          </a:p>
-        </p:txBody>
-      </p:sp>
-      <p:sp>
-        <p:nvSpPr>
-          <p:cNvPr id="4" name="Content Placeholder 3">
-            <a:extLst>
-              <a:ext uri="{FF2B5EF4-FFF2-40B4-BE49-F238E27FC236}">
-                <a16:creationId xmlns:a16="http://schemas.microsoft.com/office/drawing/2014/main" id="{5689C8A2-EB7C-D447-901F-47C20026CA0A}"/>
-              </a:ext>
-            </a:extLst>
-          </p:cNvPr>
-          <p:cNvSpPr>
-            <a:spLocks noGrp="1"/>
-          </p:cNvSpPr>
-          <p:nvPr>
-            <p:ph sz="half" idx="2"/>
-          </p:nvPr>
-        </p:nvSpPr>
-        <p:spPr/>
-        <p:txBody>
-          <a:bodyPr/>
-          <a:lstStyle/>
-          <a:p>
-            <a:r>
-              <a:rPr lang="de-DE" dirty="0" err="1"/>
-              <a:t>Consume</a:t>
-            </a:r>
-            <a:r>
-              <a:rPr lang="de-DE" dirty="0"/>
-              <a:t> </a:t>
-            </a:r>
-            <a:r>
-              <a:rPr lang="de-DE" dirty="0" err="1"/>
-              <a:t>services</a:t>
-            </a:r>
-            <a:r>
-              <a:rPr lang="de-DE" dirty="0"/>
-              <a:t> </a:t>
-            </a:r>
-            <a:r>
-              <a:rPr lang="de-DE" dirty="0" err="1"/>
-              <a:t>from</a:t>
-            </a:r>
-            <a:r>
-              <a:rPr lang="de-DE" dirty="0"/>
-              <a:t> different </a:t>
-            </a:r>
-            <a:r>
-              <a:rPr lang="de-DE" dirty="0" err="1"/>
-              <a:t>sources</a:t>
-            </a:r>
-            <a:r>
-              <a:rPr lang="de-DE" dirty="0"/>
-              <a:t>.</a:t>
-            </a:r>
-          </a:p>
-          <a:p>
-            <a:r>
-              <a:rPr lang="de-DE" dirty="0" err="1"/>
-              <a:t>Unify</a:t>
-            </a:r>
-            <a:r>
-              <a:rPr lang="de-DE" dirty="0"/>
-              <a:t> </a:t>
-            </a:r>
-            <a:r>
-              <a:rPr lang="de-DE" dirty="0" err="1"/>
-              <a:t>the</a:t>
-            </a:r>
-            <a:r>
-              <a:rPr lang="de-DE" dirty="0"/>
-              <a:t> </a:t>
-            </a:r>
-            <a:r>
-              <a:rPr lang="de-DE" dirty="0" err="1"/>
-              <a:t>consumption</a:t>
-            </a:r>
-            <a:r>
-              <a:rPr lang="de-DE" dirty="0"/>
-              <a:t> </a:t>
-            </a:r>
-            <a:r>
-              <a:rPr lang="de-DE" dirty="0" err="1"/>
-              <a:t>of</a:t>
-            </a:r>
-            <a:r>
-              <a:rPr lang="de-DE" dirty="0"/>
-              <a:t> internal </a:t>
-            </a:r>
-            <a:r>
-              <a:rPr lang="de-DE" dirty="0" err="1"/>
-              <a:t>and</a:t>
-            </a:r>
-            <a:r>
-              <a:rPr lang="de-DE" dirty="0"/>
-              <a:t> </a:t>
-            </a:r>
-            <a:r>
-              <a:rPr lang="de-DE" dirty="0" err="1"/>
-              <a:t>external</a:t>
-            </a:r>
-            <a:r>
-              <a:rPr lang="de-DE" dirty="0"/>
-              <a:t> </a:t>
-            </a:r>
-            <a:r>
-              <a:rPr lang="de-DE" dirty="0" err="1"/>
-              <a:t>services</a:t>
-            </a:r>
-            <a:r>
-              <a:rPr lang="de-DE" dirty="0"/>
-              <a:t> </a:t>
-            </a:r>
-            <a:r>
-              <a:rPr lang="de-DE" dirty="0" err="1"/>
-              <a:t>through</a:t>
-            </a:r>
-            <a:r>
-              <a:rPr lang="de-DE" dirty="0"/>
-              <a:t> </a:t>
-            </a:r>
-            <a:r>
-              <a:rPr lang="de-DE" dirty="0" err="1"/>
-              <a:t>the</a:t>
-            </a:r>
-            <a:r>
-              <a:rPr lang="de-DE" dirty="0"/>
-              <a:t> Open Service Broker standard-</a:t>
-            </a:r>
-            <a:r>
-              <a:rPr lang="de-DE" dirty="0" err="1"/>
-              <a:t>compliant</a:t>
-            </a:r>
-            <a:r>
-              <a:rPr lang="de-DE" dirty="0"/>
-              <a:t> Service </a:t>
-            </a:r>
-            <a:r>
-              <a:rPr lang="de-DE" dirty="0" err="1"/>
-              <a:t>Catalog</a:t>
-            </a:r>
-            <a:r>
-              <a:rPr lang="de-DE" dirty="0"/>
-              <a:t>.</a:t>
-            </a:r>
-          </a:p>
-          <a:p>
-            <a:pPr marL="0" indent="0">
-              <a:buNone/>
-            </a:pPr>
-            <a:endParaRPr lang="de-DE" dirty="0"/>
-          </a:p>
-        </p:txBody>
-      </p:sp>
-      <p:sp>
-        <p:nvSpPr>
-          <p:cNvPr id="8" name="Text Placeholder 7">
-            <a:extLst>
-              <a:ext uri="{FF2B5EF4-FFF2-40B4-BE49-F238E27FC236}">
-                <a16:creationId xmlns:a16="http://schemas.microsoft.com/office/drawing/2014/main" id="{B0916ABF-198E-A541-8617-1823FFFF1E90}"/>
-              </a:ext>
-            </a:extLst>
-          </p:cNvPr>
-          <p:cNvSpPr>
-            <a:spLocks noGrp="1"/>
-          </p:cNvSpPr>
-          <p:nvPr>
-            <p:ph type="body" idx="16"/>
-          </p:nvPr>
-        </p:nvSpPr>
-        <p:spPr/>
-        <p:txBody>
-          <a:bodyPr/>
-          <a:lstStyle/>
-          <a:p>
-            <a:r>
-              <a:rPr lang="de-DE" dirty="0" err="1"/>
-              <a:t>Seamless</a:t>
-            </a:r>
-            <a:r>
-              <a:rPr lang="de-DE" dirty="0"/>
-              <a:t> </a:t>
-            </a:r>
-            <a:r>
-              <a:rPr lang="de-DE" dirty="0" err="1"/>
-              <a:t>connectivity</a:t>
-            </a:r>
-            <a:r>
-              <a:rPr lang="de-DE" dirty="0"/>
-              <a:t>	</a:t>
-            </a:r>
-          </a:p>
-        </p:txBody>
-      </p:sp>
-      <p:sp>
-        <p:nvSpPr>
-          <p:cNvPr id="9" name="Text Placeholder 8">
-            <a:extLst>
-              <a:ext uri="{FF2B5EF4-FFF2-40B4-BE49-F238E27FC236}">
-                <a16:creationId xmlns:a16="http://schemas.microsoft.com/office/drawing/2014/main" id="{AEDE6C17-889A-C842-8B03-3E9D47260DF2}"/>
-              </a:ext>
-            </a:extLst>
-          </p:cNvPr>
-          <p:cNvSpPr>
-            <a:spLocks noGrp="1"/>
-          </p:cNvSpPr>
-          <p:nvPr>
-            <p:ph type="body" idx="17"/>
-          </p:nvPr>
-        </p:nvSpPr>
-        <p:spPr/>
-        <p:txBody>
-          <a:bodyPr/>
-          <a:lstStyle/>
-          <a:p>
-            <a:r>
-              <a:rPr lang="de-DE" dirty="0" err="1"/>
-              <a:t>Coherent</a:t>
-            </a:r>
-            <a:r>
-              <a:rPr lang="de-DE" dirty="0"/>
-              <a:t> </a:t>
-            </a:r>
-            <a:r>
-              <a:rPr lang="de-DE" dirty="0" err="1"/>
-              <a:t>and</a:t>
-            </a:r>
-            <a:r>
-              <a:rPr lang="de-DE" dirty="0"/>
-              <a:t> </a:t>
-            </a:r>
-            <a:r>
-              <a:rPr lang="de-DE" dirty="0" err="1"/>
-              <a:t>technology</a:t>
-            </a:r>
-            <a:r>
-              <a:rPr lang="de-DE" dirty="0"/>
-              <a:t>-independent</a:t>
-            </a:r>
-          </a:p>
-        </p:txBody>
-      </p:sp>
-      <p:sp>
-        <p:nvSpPr>
-          <p:cNvPr id="10" name="Content Placeholder 9">
-            <a:extLst>
-              <a:ext uri="{FF2B5EF4-FFF2-40B4-BE49-F238E27FC236}">
-                <a16:creationId xmlns:a16="http://schemas.microsoft.com/office/drawing/2014/main" id="{73BBC8C6-24A8-E144-821D-F37FD93ADEA0}"/>
-              </a:ext>
-            </a:extLst>
-          </p:cNvPr>
-          <p:cNvSpPr>
-            <a:spLocks noGrp="1"/>
-          </p:cNvSpPr>
-          <p:nvPr>
-            <p:ph sz="half" idx="18"/>
-          </p:nvPr>
-        </p:nvSpPr>
-        <p:spPr/>
-        <p:txBody>
-          <a:bodyPr/>
-          <a:lstStyle/>
-          <a:p>
-            <a:r>
-              <a:rPr lang="de-DE" dirty="0" err="1"/>
-              <a:t>Leverage</a:t>
-            </a:r>
-            <a:r>
-              <a:rPr lang="de-DE" dirty="0"/>
-              <a:t> HTTP/2 </a:t>
-            </a:r>
-            <a:r>
-              <a:rPr lang="de-DE" dirty="0" err="1"/>
-              <a:t>for</a:t>
-            </a:r>
-            <a:r>
-              <a:rPr lang="de-DE" dirty="0"/>
-              <a:t> </a:t>
-            </a:r>
-            <a:r>
-              <a:rPr lang="de-DE" dirty="0" err="1"/>
-              <a:t>optimized</a:t>
-            </a:r>
-            <a:r>
-              <a:rPr lang="de-DE" dirty="0"/>
-              <a:t> </a:t>
-            </a:r>
-            <a:r>
-              <a:rPr lang="de-DE" dirty="0" err="1"/>
-              <a:t>latency</a:t>
-            </a:r>
-            <a:r>
-              <a:rPr lang="de-DE" dirty="0"/>
-              <a:t> </a:t>
-            </a:r>
-            <a:r>
-              <a:rPr lang="de-DE" dirty="0" err="1"/>
-              <a:t>and</a:t>
-            </a:r>
-            <a:r>
-              <a:rPr lang="de-DE" dirty="0"/>
-              <a:t> </a:t>
-            </a:r>
-            <a:r>
-              <a:rPr lang="de-DE" dirty="0" err="1"/>
-              <a:t>payload</a:t>
-            </a:r>
-            <a:r>
-              <a:rPr lang="de-DE" dirty="0"/>
-              <a:t>.</a:t>
-            </a:r>
-          </a:p>
-          <a:p>
-            <a:r>
-              <a:rPr lang="de-DE" dirty="0" err="1"/>
-              <a:t>Ensure</a:t>
-            </a:r>
-            <a:r>
-              <a:rPr lang="de-DE" dirty="0"/>
-              <a:t> flexible </a:t>
-            </a:r>
-            <a:r>
-              <a:rPr lang="de-DE" dirty="0" err="1"/>
-              <a:t>add</a:t>
-            </a:r>
-            <a:r>
-              <a:rPr lang="de-DE" dirty="0"/>
-              <a:t>-on </a:t>
-            </a:r>
-            <a:r>
-              <a:rPr lang="de-DE" dirty="0" err="1"/>
-              <a:t>triggers</a:t>
-            </a:r>
-            <a:r>
-              <a:rPr lang="de-DE" dirty="0"/>
-              <a:t>, </a:t>
-            </a:r>
-            <a:r>
-              <a:rPr lang="de-DE" dirty="0" err="1"/>
-              <a:t>including</a:t>
-            </a:r>
-            <a:r>
-              <a:rPr lang="de-DE" dirty="0"/>
-              <a:t> Events </a:t>
-            </a:r>
-            <a:r>
-              <a:rPr lang="de-DE" dirty="0" err="1"/>
-              <a:t>and</a:t>
-            </a:r>
-            <a:r>
-              <a:rPr lang="de-DE" dirty="0"/>
-              <a:t> HTTP </a:t>
-            </a:r>
-            <a:r>
-              <a:rPr lang="de-DE" dirty="0" err="1"/>
-              <a:t>requests</a:t>
-            </a:r>
-            <a:r>
-              <a:rPr lang="de-DE" dirty="0"/>
-              <a:t>.</a:t>
-            </a:r>
-          </a:p>
-          <a:p>
-            <a:pPr marL="0" indent="0">
-              <a:buNone/>
-            </a:pPr>
-            <a:endParaRPr lang="de-DE" dirty="0"/>
-          </a:p>
-        </p:txBody>
-      </p:sp>
-      <p:sp>
-        <p:nvSpPr>
-          <p:cNvPr id="11" name="Content Placeholder 10">
-            <a:extLst>
-              <a:ext uri="{FF2B5EF4-FFF2-40B4-BE49-F238E27FC236}">
-                <a16:creationId xmlns:a16="http://schemas.microsoft.com/office/drawing/2014/main" id="{DA3408E6-86AA-D84C-8D1F-84E3B5624A07}"/>
-              </a:ext>
-            </a:extLst>
-          </p:cNvPr>
-          <p:cNvSpPr>
-            <a:spLocks noGrp="1"/>
-          </p:cNvSpPr>
-          <p:nvPr>
-            <p:ph sz="half" idx="19"/>
-          </p:nvPr>
-        </p:nvSpPr>
-        <p:spPr/>
-        <p:txBody>
-          <a:bodyPr/>
-          <a:lstStyle/>
-          <a:p>
-            <a:r>
-              <a:rPr lang="de-DE" dirty="0"/>
-              <a:t>A </a:t>
-            </a:r>
-            <a:r>
-              <a:rPr lang="de-DE" dirty="0" err="1"/>
-              <a:t>programming</a:t>
-            </a:r>
-            <a:r>
-              <a:rPr lang="de-DE" dirty="0"/>
-              <a:t> </a:t>
-            </a:r>
-            <a:r>
-              <a:rPr lang="de-DE" dirty="0" err="1"/>
-              <a:t>language-agnostic</a:t>
-            </a:r>
-            <a:r>
-              <a:rPr lang="de-DE" dirty="0"/>
-              <a:t> </a:t>
-            </a:r>
-            <a:r>
-              <a:rPr lang="de-DE" dirty="0" err="1"/>
-              <a:t>add</a:t>
-            </a:r>
-            <a:r>
-              <a:rPr lang="de-DE" dirty="0"/>
-              <a:t>-on </a:t>
-            </a:r>
-            <a:r>
-              <a:rPr lang="de-DE" dirty="0" err="1"/>
-              <a:t>model</a:t>
-            </a:r>
-            <a:r>
-              <a:rPr lang="de-DE" dirty="0"/>
-              <a:t> </a:t>
-            </a:r>
-            <a:r>
-              <a:rPr lang="de-DE" dirty="0" err="1"/>
-              <a:t>that</a:t>
-            </a:r>
-            <a:r>
-              <a:rPr lang="de-DE" dirty="0"/>
-              <a:t> </a:t>
-            </a:r>
-            <a:r>
-              <a:rPr lang="de-DE" dirty="0" err="1"/>
-              <a:t>allows</a:t>
-            </a:r>
-            <a:r>
-              <a:rPr lang="de-DE" dirty="0"/>
-              <a:t> </a:t>
-            </a:r>
-            <a:r>
-              <a:rPr lang="de-DE" dirty="0" err="1"/>
-              <a:t>you</a:t>
-            </a:r>
-            <a:r>
-              <a:rPr lang="de-DE" dirty="0"/>
-              <a:t> </a:t>
-            </a:r>
-            <a:r>
-              <a:rPr lang="de-DE" dirty="0" err="1"/>
-              <a:t>to</a:t>
-            </a:r>
-            <a:r>
-              <a:rPr lang="de-DE" dirty="0"/>
-              <a:t> </a:t>
-            </a:r>
-            <a:r>
-              <a:rPr lang="de-DE" dirty="0" err="1"/>
-              <a:t>customize</a:t>
-            </a:r>
-            <a:r>
-              <a:rPr lang="de-DE" dirty="0"/>
-              <a:t> a </a:t>
-            </a:r>
-            <a:r>
-              <a:rPr lang="de-DE" dirty="0" err="1"/>
-              <a:t>software</a:t>
-            </a:r>
-            <a:r>
-              <a:rPr lang="de-DE" dirty="0"/>
-              <a:t> </a:t>
-            </a:r>
-            <a:r>
-              <a:rPr lang="de-DE" dirty="0" err="1"/>
-              <a:t>solution</a:t>
-            </a:r>
-            <a:r>
-              <a:rPr lang="de-DE" dirty="0"/>
-              <a:t> </a:t>
-            </a:r>
-            <a:r>
-              <a:rPr lang="de-DE" dirty="0" err="1"/>
-              <a:t>using</a:t>
-            </a:r>
-            <a:r>
-              <a:rPr lang="de-DE" dirty="0"/>
-              <a:t> </a:t>
-            </a:r>
-            <a:r>
-              <a:rPr lang="de-DE" dirty="0" err="1"/>
-              <a:t>the</a:t>
-            </a:r>
-            <a:r>
-              <a:rPr lang="de-DE" dirty="0"/>
-              <a:t> </a:t>
-            </a:r>
-            <a:r>
-              <a:rPr lang="de-DE" dirty="0" err="1"/>
-              <a:t>technology</a:t>
-            </a:r>
-            <a:r>
-              <a:rPr lang="de-DE" dirty="0"/>
-              <a:t> </a:t>
-            </a:r>
-            <a:r>
-              <a:rPr lang="de-DE" dirty="0" err="1"/>
-              <a:t>stack</a:t>
-            </a:r>
-            <a:r>
-              <a:rPr lang="de-DE" dirty="0"/>
-              <a:t> </a:t>
-            </a:r>
-            <a:r>
-              <a:rPr lang="de-DE" dirty="0" err="1"/>
-              <a:t>you</a:t>
-            </a:r>
-            <a:r>
-              <a:rPr lang="de-DE" dirty="0"/>
-              <a:t> </a:t>
-            </a:r>
-            <a:r>
-              <a:rPr lang="de-DE" dirty="0" err="1"/>
-              <a:t>are</a:t>
-            </a:r>
-            <a:r>
-              <a:rPr lang="de-DE" dirty="0"/>
-              <a:t> </a:t>
-            </a:r>
-            <a:r>
-              <a:rPr lang="de-DE" dirty="0" err="1"/>
-              <a:t>most</a:t>
-            </a:r>
-            <a:r>
-              <a:rPr lang="de-DE" dirty="0"/>
-              <a:t> </a:t>
-            </a:r>
-            <a:r>
-              <a:rPr lang="de-DE" dirty="0" err="1"/>
-              <a:t>experienced</a:t>
-            </a:r>
-            <a:r>
-              <a:rPr lang="de-DE" dirty="0"/>
-              <a:t> </a:t>
-            </a:r>
-            <a:r>
-              <a:rPr lang="de-DE" dirty="0" err="1"/>
-              <a:t>with</a:t>
-            </a:r>
-            <a:r>
-              <a:rPr lang="de-DE" dirty="0"/>
-              <a:t>.</a:t>
-            </a:r>
-          </a:p>
-          <a:p>
-            <a:pPr marL="0" indent="0">
-              <a:buNone/>
-            </a:pPr>
-            <a:endParaRPr lang="de-DE" dirty="0"/>
-          </a:p>
-        </p:txBody>
-      </p:sp>
-      <p:pic>
-        <p:nvPicPr>
-          <p:cNvPr id="19" name="Graphic 18">
-            <a:extLst>
-              <a:ext uri="{FF2B5EF4-FFF2-40B4-BE49-F238E27FC236}">
-                <a16:creationId xmlns:a16="http://schemas.microsoft.com/office/drawing/2014/main" id="{059A4986-B344-E645-92B0-648CA3C9A38E}"/>
-              </a:ext>
-            </a:extLst>
-          </p:cNvPr>
-          <p:cNvPicPr>
-            <a:picLocks noChangeAspect="1"/>
-          </p:cNvPicPr>
-          <p:nvPr/>
-        </p:nvPicPr>
-        <p:blipFill>
-          <a:blip r:embed="rId2">
-            <a:extLst>
-              <a:ext uri="{96DAC541-7B7A-43D3-8B79-37D633B846F1}">
-                <asvg:svgBlip xmlns:asvg="http://schemas.microsoft.com/office/drawing/2016/SVG/main" r:embed="rId3"/>
-              </a:ext>
-            </a:extLst>
-          </a:blip>
-          <a:stretch>
-            <a:fillRect/>
-          </a:stretch>
-        </p:blipFill>
         <p:spPr>
           <a:xfrm>
-            <a:off x="8494495" y="1096882"/>
-            <a:ext cx="1342523" cy="1939201"/>
+            <a:off x="778461" y="1971769"/>
+            <a:ext cx="5206589" cy="492443"/>
           </a:xfrm>
           <a:prstGeom prst="rect">
             <a:avLst/>
           </a:prstGeom>
         </p:spPr>
-      </p:pic>
-      <p:pic>
-        <p:nvPicPr>
-          <p:cNvPr id="21" name="Graphic 20">
-            <a:extLst>
-              <a:ext uri="{FF2B5EF4-FFF2-40B4-BE49-F238E27FC236}">
-                <a16:creationId xmlns:a16="http://schemas.microsoft.com/office/drawing/2014/main" id="{8894DB8C-6BDE-D744-A325-0B245683DE84}"/>
-              </a:ext>
-            </a:extLst>
-          </p:cNvPr>
-          <p:cNvPicPr>
-            <a:picLocks noChangeAspect="1"/>
-          </p:cNvPicPr>
+        <p:txBody>
+          <a:bodyPr/>
+          <a:lstStyle>
+            <a:lvl1pPr algn="l" defTabSz="914400" rtl="0" eaLnBrk="1" latinLnBrk="0" hangingPunct="1">
+              <a:lnSpc>
+                <a:spcPct val="100000"/>
+              </a:lnSpc>
+              <a:spcBef>
+                <a:spcPct val="0"/>
+              </a:spcBef>
+              <a:buNone/>
+              <a:defRPr sz="2400" b="1" kern="1200">
+                <a:solidFill>
+                  <a:srgbClr val="485766"/>
+                </a:solidFill>
+                <a:latin typeface="Arial" panose="020B0604020202020204" pitchFamily="34" charset="0"/>
+                <a:ea typeface="+mj-ea"/>
+                <a:cs typeface="Arial" panose="020B0604020202020204" pitchFamily="34" charset="0"/>
+              </a:defRPr>
+            </a:lvl1pPr>
+          </a:lstStyle>
+          <a:p>
+            <a:r>
+              <a:rPr lang="de-DE" dirty="0"/>
+              <a:t>RGB: 50-152-255</a:t>
+            </a:r>
+          </a:p>
+        </p:txBody>
+      </p:sp>
+      <p:sp>
+        <p:nvSpPr>
+          <p:cNvPr id="14" name="Rectangle 13">
+            <a:extLst>
+              <a:ext uri="{FF2B5EF4-FFF2-40B4-BE49-F238E27FC236}">
+                <a16:creationId xmlns:a16="http://schemas.microsoft.com/office/drawing/2014/main" id="{D4B7CFCE-30E9-4AA6-8561-EDB752BA8802}"/>
+              </a:ext>
+            </a:extLst>
+          </p:cNvPr>
+          <p:cNvSpPr/>
           <p:nvPr/>
-        </p:nvPicPr>
-        <p:blipFill>
-          <a:blip r:embed="rId4">
-            <a:extLst>
-              <a:ext uri="{96DAC541-7B7A-43D3-8B79-37D633B846F1}">
-                <asvg:svgBlip xmlns:asvg="http://schemas.microsoft.com/office/drawing/2016/SVG/main" r:embed="rId5"/>
-              </a:ext>
-            </a:extLst>
-          </a:blip>
-          <a:stretch>
-            <a:fillRect/>
-          </a:stretch>
-        </p:blipFill>
+        </p:nvSpPr>
         <p:spPr>
           <a:xfrm>
-            <a:off x="4770195" y="1276980"/>
-            <a:ext cx="1803496" cy="1673347"/>
+            <a:off x="3443081" y="2032968"/>
+            <a:ext cx="477078" cy="326887"/>
+          </a:xfrm>
+          <a:prstGeom prst="rect">
+            <a:avLst/>
+          </a:prstGeom>
+          <a:solidFill>
+            <a:srgbClr val="3298FF"/>
+          </a:solidFill>
+          <a:ln>
+            <a:solidFill>
+              <a:srgbClr val="3298FF"/>
+            </a:solidFill>
+          </a:ln>
+        </p:spPr>
+        <p:style>
+          <a:lnRef idx="2">
+            <a:schemeClr val="accent1">
+              <a:shade val="50000"/>
+            </a:schemeClr>
+          </a:lnRef>
+          <a:fillRef idx="1">
+            <a:schemeClr val="accent1"/>
+          </a:fillRef>
+          <a:effectRef idx="0">
+            <a:schemeClr val="accent1"/>
+          </a:effectRef>
+          <a:fontRef idx="minor">
+            <a:schemeClr val="lt1"/>
+          </a:fontRef>
+        </p:style>
+        <p:txBody>
+          <a:bodyPr rtlCol="0" anchor="ctr"/>
+          <a:lstStyle/>
+          <a:p>
+            <a:pPr algn="ctr"/>
+            <a:endParaRPr lang="de-DE"/>
+          </a:p>
+        </p:txBody>
+      </p:sp>
+      <p:sp>
+        <p:nvSpPr>
+          <p:cNvPr id="15" name="Title 1">
+            <a:extLst>
+              <a:ext uri="{FF2B5EF4-FFF2-40B4-BE49-F238E27FC236}">
+                <a16:creationId xmlns:a16="http://schemas.microsoft.com/office/drawing/2014/main" id="{756AC65E-6710-4A83-873B-E028D35CED3A}"/>
+              </a:ext>
+            </a:extLst>
+          </p:cNvPr>
+          <p:cNvSpPr txBox="1">
+            <a:spLocks/>
+          </p:cNvSpPr>
+          <p:nvPr/>
+        </p:nvSpPr>
+        <p:spPr>
+          <a:xfrm>
+            <a:off x="778462" y="2746396"/>
+            <a:ext cx="5206589" cy="492443"/>
           </a:xfrm>
           <a:prstGeom prst="rect">
             <a:avLst/>
           </a:prstGeom>
         </p:spPr>
-      </p:pic>
-      <p:pic>
-        <p:nvPicPr>
-          <p:cNvPr id="6" name="Graphic 5">
-            <a:extLst>
-              <a:ext uri="{FF2B5EF4-FFF2-40B4-BE49-F238E27FC236}">
-                <a16:creationId xmlns:a16="http://schemas.microsoft.com/office/drawing/2014/main" id="{5082365B-FF6B-8B4F-B1FF-D0C4977C264C}"/>
-              </a:ext>
-            </a:extLst>
-          </p:cNvPr>
-          <p:cNvPicPr>
-            <a:picLocks noChangeAspect="1"/>
-          </p:cNvPicPr>
+        <p:txBody>
+          <a:bodyPr/>
+          <a:lstStyle>
+            <a:lvl1pPr algn="l" defTabSz="914400" rtl="0" eaLnBrk="1" latinLnBrk="0" hangingPunct="1">
+              <a:lnSpc>
+                <a:spcPct val="100000"/>
+              </a:lnSpc>
+              <a:spcBef>
+                <a:spcPct val="0"/>
+              </a:spcBef>
+              <a:buNone/>
+              <a:defRPr sz="2400" b="1" kern="1200">
+                <a:solidFill>
+                  <a:srgbClr val="485766"/>
+                </a:solidFill>
+                <a:latin typeface="Arial" panose="020B0604020202020204" pitchFamily="34" charset="0"/>
+                <a:ea typeface="+mj-ea"/>
+                <a:cs typeface="Arial" panose="020B0604020202020204" pitchFamily="34" charset="0"/>
+              </a:defRPr>
+            </a:lvl1pPr>
+          </a:lstStyle>
+          <a:p>
+            <a:r>
+              <a:rPr lang="de-DE" dirty="0"/>
+              <a:t>RGB: 44-133-222</a:t>
+            </a:r>
+          </a:p>
+        </p:txBody>
+      </p:sp>
+      <p:sp>
+        <p:nvSpPr>
+          <p:cNvPr id="16" name="Title 1">
+            <a:extLst>
+              <a:ext uri="{FF2B5EF4-FFF2-40B4-BE49-F238E27FC236}">
+                <a16:creationId xmlns:a16="http://schemas.microsoft.com/office/drawing/2014/main" id="{28E3E848-47FF-419A-A450-E90AC712B2AF}"/>
+              </a:ext>
+            </a:extLst>
+          </p:cNvPr>
+          <p:cNvSpPr txBox="1">
+            <a:spLocks/>
+          </p:cNvSpPr>
           <p:nvPr/>
-        </p:nvPicPr>
-        <p:blipFill>
-          <a:blip r:embed="rId6">
-            <a:extLst>
-              <a:ext uri="{96DAC541-7B7A-43D3-8B79-37D633B846F1}">
-                <asvg:svgBlip xmlns:asvg="http://schemas.microsoft.com/office/drawing/2016/SVG/main" r:embed="rId7"/>
-              </a:ext>
-            </a:extLst>
-          </a:blip>
-          <a:stretch>
-            <a:fillRect/>
-          </a:stretch>
-        </p:blipFill>
+        </p:nvSpPr>
         <p:spPr>
           <a:xfrm>
-            <a:off x="1312849" y="1392828"/>
-            <a:ext cx="1720283" cy="1643255"/>
+            <a:off x="839787" y="3466801"/>
+            <a:ext cx="5206589" cy="492443"/>
           </a:xfrm>
           <a:prstGeom prst="rect">
             <a:avLst/>
           </a:prstGeom>
         </p:spPr>
-      </p:pic>
+        <p:txBody>
+          <a:bodyPr/>
+          <a:lstStyle>
+            <a:lvl1pPr algn="l" defTabSz="914400" rtl="0" eaLnBrk="1" latinLnBrk="0" hangingPunct="1">
+              <a:lnSpc>
+                <a:spcPct val="100000"/>
+              </a:lnSpc>
+              <a:spcBef>
+                <a:spcPct val="0"/>
+              </a:spcBef>
+              <a:buNone/>
+              <a:defRPr sz="2400" b="1" kern="1200">
+                <a:solidFill>
+                  <a:srgbClr val="485766"/>
+                </a:solidFill>
+                <a:latin typeface="Arial" panose="020B0604020202020204" pitchFamily="34" charset="0"/>
+                <a:ea typeface="+mj-ea"/>
+                <a:cs typeface="Arial" panose="020B0604020202020204" pitchFamily="34" charset="0"/>
+              </a:defRPr>
+            </a:lvl1pPr>
+          </a:lstStyle>
+          <a:p>
+            <a:r>
+              <a:rPr lang="de-DE" dirty="0"/>
+              <a:t>RGB: 9-94-179</a:t>
+            </a:r>
+          </a:p>
+        </p:txBody>
+      </p:sp>
+      <p:sp>
+        <p:nvSpPr>
+          <p:cNvPr id="17" name="Title 1">
+            <a:extLst>
+              <a:ext uri="{FF2B5EF4-FFF2-40B4-BE49-F238E27FC236}">
+                <a16:creationId xmlns:a16="http://schemas.microsoft.com/office/drawing/2014/main" id="{2F539697-4B1F-4513-9036-2E30634FB7AB}"/>
+              </a:ext>
+            </a:extLst>
+          </p:cNvPr>
+          <p:cNvSpPr txBox="1">
+            <a:spLocks/>
+          </p:cNvSpPr>
+          <p:nvPr/>
+        </p:nvSpPr>
+        <p:spPr>
+          <a:xfrm>
+            <a:off x="831953" y="4160078"/>
+            <a:ext cx="5206589" cy="492443"/>
+          </a:xfrm>
+          <a:prstGeom prst="rect">
+            <a:avLst/>
+          </a:prstGeom>
+        </p:spPr>
+        <p:txBody>
+          <a:bodyPr/>
+          <a:lstStyle>
+            <a:lvl1pPr algn="l" defTabSz="914400" rtl="0" eaLnBrk="1" latinLnBrk="0" hangingPunct="1">
+              <a:lnSpc>
+                <a:spcPct val="100000"/>
+              </a:lnSpc>
+              <a:spcBef>
+                <a:spcPct val="0"/>
+              </a:spcBef>
+              <a:buNone/>
+              <a:defRPr sz="2400" b="1" kern="1200">
+                <a:solidFill>
+                  <a:srgbClr val="485766"/>
+                </a:solidFill>
+                <a:latin typeface="Arial" panose="020B0604020202020204" pitchFamily="34" charset="0"/>
+                <a:ea typeface="+mj-ea"/>
+                <a:cs typeface="Arial" panose="020B0604020202020204" pitchFamily="34" charset="0"/>
+              </a:defRPr>
+            </a:lvl1pPr>
+          </a:lstStyle>
+          <a:p>
+            <a:r>
+              <a:rPr lang="de-DE" dirty="0"/>
+              <a:t>RGB: 0-232-51</a:t>
+            </a:r>
+          </a:p>
+        </p:txBody>
+      </p:sp>
+      <p:sp>
+        <p:nvSpPr>
+          <p:cNvPr id="18" name="Title 1">
+            <a:extLst>
+              <a:ext uri="{FF2B5EF4-FFF2-40B4-BE49-F238E27FC236}">
+                <a16:creationId xmlns:a16="http://schemas.microsoft.com/office/drawing/2014/main" id="{63758622-E3DF-450F-9ACE-B6909F808895}"/>
+              </a:ext>
+            </a:extLst>
+          </p:cNvPr>
+          <p:cNvSpPr txBox="1">
+            <a:spLocks/>
+          </p:cNvSpPr>
+          <p:nvPr/>
+        </p:nvSpPr>
+        <p:spPr>
+          <a:xfrm>
+            <a:off x="6096000" y="1922424"/>
+            <a:ext cx="5206589" cy="492443"/>
+          </a:xfrm>
+          <a:prstGeom prst="rect">
+            <a:avLst/>
+          </a:prstGeom>
+        </p:spPr>
+        <p:txBody>
+          <a:bodyPr/>
+          <a:lstStyle>
+            <a:lvl1pPr algn="l" defTabSz="914400" rtl="0" eaLnBrk="1" latinLnBrk="0" hangingPunct="1">
+              <a:lnSpc>
+                <a:spcPct val="100000"/>
+              </a:lnSpc>
+              <a:spcBef>
+                <a:spcPct val="0"/>
+              </a:spcBef>
+              <a:buNone/>
+              <a:defRPr sz="2400" b="1" kern="1200">
+                <a:solidFill>
+                  <a:srgbClr val="485766"/>
+                </a:solidFill>
+                <a:latin typeface="Arial" panose="020B0604020202020204" pitchFamily="34" charset="0"/>
+                <a:ea typeface="+mj-ea"/>
+                <a:cs typeface="Arial" panose="020B0604020202020204" pitchFamily="34" charset="0"/>
+              </a:defRPr>
+            </a:lvl1pPr>
+          </a:lstStyle>
+          <a:p>
+            <a:r>
+              <a:rPr lang="de-DE" dirty="0"/>
+              <a:t>RGB: 77-16-225</a:t>
+            </a:r>
+          </a:p>
+        </p:txBody>
+      </p:sp>
+      <p:sp>
+        <p:nvSpPr>
+          <p:cNvPr id="19" name="Title 1">
+            <a:extLst>
+              <a:ext uri="{FF2B5EF4-FFF2-40B4-BE49-F238E27FC236}">
+                <a16:creationId xmlns:a16="http://schemas.microsoft.com/office/drawing/2014/main" id="{51521583-A8F2-412F-BFC1-330D2464AF88}"/>
+              </a:ext>
+            </a:extLst>
+          </p:cNvPr>
+          <p:cNvSpPr txBox="1">
+            <a:spLocks/>
+          </p:cNvSpPr>
+          <p:nvPr/>
+        </p:nvSpPr>
+        <p:spPr>
+          <a:xfrm>
+            <a:off x="6096000" y="2678660"/>
+            <a:ext cx="5206589" cy="492443"/>
+          </a:xfrm>
+          <a:prstGeom prst="rect">
+            <a:avLst/>
+          </a:prstGeom>
+        </p:spPr>
+        <p:txBody>
+          <a:bodyPr/>
+          <a:lstStyle>
+            <a:lvl1pPr algn="l" defTabSz="914400" rtl="0" eaLnBrk="1" latinLnBrk="0" hangingPunct="1">
+              <a:lnSpc>
+                <a:spcPct val="100000"/>
+              </a:lnSpc>
+              <a:spcBef>
+                <a:spcPct val="0"/>
+              </a:spcBef>
+              <a:buNone/>
+              <a:defRPr sz="2400" b="1" kern="1200">
+                <a:solidFill>
+                  <a:srgbClr val="485766"/>
+                </a:solidFill>
+                <a:latin typeface="Arial" panose="020B0604020202020204" pitchFamily="34" charset="0"/>
+                <a:ea typeface="+mj-ea"/>
+                <a:cs typeface="Arial" panose="020B0604020202020204" pitchFamily="34" charset="0"/>
+              </a:defRPr>
+            </a:lvl1pPr>
+          </a:lstStyle>
+          <a:p>
+            <a:r>
+              <a:rPr lang="de-DE" dirty="0"/>
+              <a:t>RGB: 9-94-179</a:t>
+            </a:r>
+          </a:p>
+        </p:txBody>
+      </p:sp>
+      <p:sp>
+        <p:nvSpPr>
+          <p:cNvPr id="20" name="Title 1">
+            <a:extLst>
+              <a:ext uri="{FF2B5EF4-FFF2-40B4-BE49-F238E27FC236}">
+                <a16:creationId xmlns:a16="http://schemas.microsoft.com/office/drawing/2014/main" id="{78F48392-3AAA-41BC-91E7-465E328A2CC8}"/>
+              </a:ext>
+            </a:extLst>
+          </p:cNvPr>
+          <p:cNvSpPr txBox="1">
+            <a:spLocks/>
+          </p:cNvSpPr>
+          <p:nvPr/>
+        </p:nvSpPr>
+        <p:spPr>
+          <a:xfrm>
+            <a:off x="6095999" y="3384022"/>
+            <a:ext cx="5206589" cy="492443"/>
+          </a:xfrm>
+          <a:prstGeom prst="rect">
+            <a:avLst/>
+          </a:prstGeom>
+        </p:spPr>
+        <p:txBody>
+          <a:bodyPr/>
+          <a:lstStyle>
+            <a:lvl1pPr algn="l" defTabSz="914400" rtl="0" eaLnBrk="1" latinLnBrk="0" hangingPunct="1">
+              <a:lnSpc>
+                <a:spcPct val="100000"/>
+              </a:lnSpc>
+              <a:spcBef>
+                <a:spcPct val="0"/>
+              </a:spcBef>
+              <a:buNone/>
+              <a:defRPr sz="2400" b="1" kern="1200">
+                <a:solidFill>
+                  <a:srgbClr val="485766"/>
+                </a:solidFill>
+                <a:latin typeface="Arial" panose="020B0604020202020204" pitchFamily="34" charset="0"/>
+                <a:ea typeface="+mj-ea"/>
+                <a:cs typeface="Arial" panose="020B0604020202020204" pitchFamily="34" charset="0"/>
+              </a:defRPr>
+            </a:lvl1pPr>
+          </a:lstStyle>
+          <a:p>
+            <a:r>
+              <a:rPr lang="de-DE" dirty="0"/>
+              <a:t>RGB: 252-209-0</a:t>
+            </a:r>
+          </a:p>
+        </p:txBody>
+      </p:sp>
+      <p:sp>
+        <p:nvSpPr>
+          <p:cNvPr id="21" name="Title 1">
+            <a:extLst>
+              <a:ext uri="{FF2B5EF4-FFF2-40B4-BE49-F238E27FC236}">
+                <a16:creationId xmlns:a16="http://schemas.microsoft.com/office/drawing/2014/main" id="{D6FC05D1-5D4E-425B-A0E6-6F7662DC8926}"/>
+              </a:ext>
+            </a:extLst>
+          </p:cNvPr>
+          <p:cNvSpPr txBox="1">
+            <a:spLocks/>
+          </p:cNvSpPr>
+          <p:nvPr/>
+        </p:nvSpPr>
+        <p:spPr>
+          <a:xfrm>
+            <a:off x="6046376" y="4067982"/>
+            <a:ext cx="5206589" cy="492443"/>
+          </a:xfrm>
+          <a:prstGeom prst="rect">
+            <a:avLst/>
+          </a:prstGeom>
+        </p:spPr>
+        <p:txBody>
+          <a:bodyPr/>
+          <a:lstStyle>
+            <a:lvl1pPr algn="l" defTabSz="914400" rtl="0" eaLnBrk="1" latinLnBrk="0" hangingPunct="1">
+              <a:lnSpc>
+                <a:spcPct val="100000"/>
+              </a:lnSpc>
+              <a:spcBef>
+                <a:spcPct val="0"/>
+              </a:spcBef>
+              <a:buNone/>
+              <a:defRPr sz="2400" b="1" kern="1200">
+                <a:solidFill>
+                  <a:srgbClr val="485766"/>
+                </a:solidFill>
+                <a:latin typeface="Arial" panose="020B0604020202020204" pitchFamily="34" charset="0"/>
+                <a:ea typeface="+mj-ea"/>
+                <a:cs typeface="Arial" panose="020B0604020202020204" pitchFamily="34" charset="0"/>
+              </a:defRPr>
+            </a:lvl1pPr>
+          </a:lstStyle>
+          <a:p>
+            <a:r>
+              <a:rPr lang="de-DE" dirty="0"/>
+              <a:t>RGB: 11-116-222</a:t>
+            </a:r>
+          </a:p>
+        </p:txBody>
+      </p:sp>
+      <p:sp>
+        <p:nvSpPr>
+          <p:cNvPr id="22" name="Rectangle 21">
+            <a:extLst>
+              <a:ext uri="{FF2B5EF4-FFF2-40B4-BE49-F238E27FC236}">
+                <a16:creationId xmlns:a16="http://schemas.microsoft.com/office/drawing/2014/main" id="{4AAB4B96-FFDE-47F4-AA98-7642B1AE8DBA}"/>
+              </a:ext>
+            </a:extLst>
+          </p:cNvPr>
+          <p:cNvSpPr/>
+          <p:nvPr/>
+        </p:nvSpPr>
+        <p:spPr>
+          <a:xfrm>
+            <a:off x="3443081" y="2802878"/>
+            <a:ext cx="477078" cy="326887"/>
+          </a:xfrm>
+          <a:prstGeom prst="rect">
+            <a:avLst/>
+          </a:prstGeom>
+          <a:solidFill>
+            <a:srgbClr val="2C85DE"/>
+          </a:solidFill>
+          <a:ln>
+            <a:solidFill>
+              <a:srgbClr val="3298FF"/>
+            </a:solidFill>
+          </a:ln>
+        </p:spPr>
+        <p:style>
+          <a:lnRef idx="2">
+            <a:schemeClr val="accent1">
+              <a:shade val="50000"/>
+            </a:schemeClr>
+          </a:lnRef>
+          <a:fillRef idx="1">
+            <a:schemeClr val="accent1"/>
+          </a:fillRef>
+          <a:effectRef idx="0">
+            <a:schemeClr val="accent1"/>
+          </a:effectRef>
+          <a:fontRef idx="minor">
+            <a:schemeClr val="lt1"/>
+          </a:fontRef>
+        </p:style>
+        <p:txBody>
+          <a:bodyPr rtlCol="0" anchor="ctr"/>
+          <a:lstStyle/>
+          <a:p>
+            <a:pPr algn="ctr"/>
+            <a:endParaRPr lang="de-DE"/>
+          </a:p>
+        </p:txBody>
+      </p:sp>
+      <p:sp>
+        <p:nvSpPr>
+          <p:cNvPr id="23" name="Rectangle 22">
+            <a:extLst>
+              <a:ext uri="{FF2B5EF4-FFF2-40B4-BE49-F238E27FC236}">
+                <a16:creationId xmlns:a16="http://schemas.microsoft.com/office/drawing/2014/main" id="{7CDE36A2-8D3B-4293-92D1-F896C7AD4D1A}"/>
+              </a:ext>
+            </a:extLst>
+          </p:cNvPr>
+          <p:cNvSpPr/>
+          <p:nvPr/>
+        </p:nvSpPr>
+        <p:spPr>
+          <a:xfrm>
+            <a:off x="3443081" y="3538739"/>
+            <a:ext cx="477078" cy="326887"/>
+          </a:xfrm>
+          <a:prstGeom prst="rect">
+            <a:avLst/>
+          </a:prstGeom>
+          <a:solidFill>
+            <a:srgbClr val="095EB3"/>
+          </a:solidFill>
+          <a:ln>
+            <a:solidFill>
+              <a:srgbClr val="095EB3"/>
+            </a:solidFill>
+          </a:ln>
+        </p:spPr>
+        <p:style>
+          <a:lnRef idx="2">
+            <a:schemeClr val="accent1">
+              <a:shade val="50000"/>
+            </a:schemeClr>
+          </a:lnRef>
+          <a:fillRef idx="1">
+            <a:schemeClr val="accent1"/>
+          </a:fillRef>
+          <a:effectRef idx="0">
+            <a:schemeClr val="accent1"/>
+          </a:effectRef>
+          <a:fontRef idx="minor">
+            <a:schemeClr val="lt1"/>
+          </a:fontRef>
+        </p:style>
+        <p:txBody>
+          <a:bodyPr rtlCol="0" anchor="ctr"/>
+          <a:lstStyle/>
+          <a:p>
+            <a:pPr algn="ctr"/>
+            <a:endParaRPr lang="de-DE"/>
+          </a:p>
+        </p:txBody>
+      </p:sp>
+      <p:sp>
+        <p:nvSpPr>
+          <p:cNvPr id="24" name="Rectangle 23">
+            <a:extLst>
+              <a:ext uri="{FF2B5EF4-FFF2-40B4-BE49-F238E27FC236}">
+                <a16:creationId xmlns:a16="http://schemas.microsoft.com/office/drawing/2014/main" id="{395A7C1E-E959-48FF-8674-5023159BABA7}"/>
+              </a:ext>
+            </a:extLst>
+          </p:cNvPr>
+          <p:cNvSpPr/>
+          <p:nvPr/>
+        </p:nvSpPr>
+        <p:spPr>
+          <a:xfrm>
+            <a:off x="3435247" y="4152183"/>
+            <a:ext cx="477078" cy="326887"/>
+          </a:xfrm>
+          <a:prstGeom prst="rect">
+            <a:avLst/>
+          </a:prstGeom>
+          <a:solidFill>
+            <a:srgbClr val="00E833"/>
+          </a:solidFill>
+          <a:ln>
+            <a:solidFill>
+              <a:srgbClr val="00E833"/>
+            </a:solidFill>
+          </a:ln>
+        </p:spPr>
+        <p:style>
+          <a:lnRef idx="2">
+            <a:schemeClr val="accent1">
+              <a:shade val="50000"/>
+            </a:schemeClr>
+          </a:lnRef>
+          <a:fillRef idx="1">
+            <a:schemeClr val="accent1"/>
+          </a:fillRef>
+          <a:effectRef idx="0">
+            <a:schemeClr val="accent1"/>
+          </a:effectRef>
+          <a:fontRef idx="minor">
+            <a:schemeClr val="lt1"/>
+          </a:fontRef>
+        </p:style>
+        <p:txBody>
+          <a:bodyPr rtlCol="0" anchor="ctr"/>
+          <a:lstStyle/>
+          <a:p>
+            <a:pPr algn="ctr"/>
+            <a:endParaRPr lang="de-DE"/>
+          </a:p>
+        </p:txBody>
+      </p:sp>
+      <p:sp>
+        <p:nvSpPr>
+          <p:cNvPr id="25" name="Rectangle 24">
+            <a:extLst>
+              <a:ext uri="{FF2B5EF4-FFF2-40B4-BE49-F238E27FC236}">
+                <a16:creationId xmlns:a16="http://schemas.microsoft.com/office/drawing/2014/main" id="{718118E1-126F-498D-BBC6-91D02FECB809}"/>
+              </a:ext>
+            </a:extLst>
+          </p:cNvPr>
+          <p:cNvSpPr/>
+          <p:nvPr/>
+        </p:nvSpPr>
+        <p:spPr>
+          <a:xfrm>
+            <a:off x="8761897" y="2009451"/>
+            <a:ext cx="477078" cy="326887"/>
+          </a:xfrm>
+          <a:prstGeom prst="rect">
+            <a:avLst/>
+          </a:prstGeom>
+          <a:solidFill>
+            <a:srgbClr val="4D10FF"/>
+          </a:solidFill>
+          <a:ln>
+            <a:solidFill>
+              <a:srgbClr val="4D10FF"/>
+            </a:solidFill>
+          </a:ln>
+        </p:spPr>
+        <p:style>
+          <a:lnRef idx="2">
+            <a:schemeClr val="accent1">
+              <a:shade val="50000"/>
+            </a:schemeClr>
+          </a:lnRef>
+          <a:fillRef idx="1">
+            <a:schemeClr val="accent1"/>
+          </a:fillRef>
+          <a:effectRef idx="0">
+            <a:schemeClr val="accent1"/>
+          </a:effectRef>
+          <a:fontRef idx="minor">
+            <a:schemeClr val="lt1"/>
+          </a:fontRef>
+        </p:style>
+        <p:txBody>
+          <a:bodyPr rtlCol="0" anchor="ctr"/>
+          <a:lstStyle/>
+          <a:p>
+            <a:pPr algn="ctr"/>
+            <a:endParaRPr lang="de-DE"/>
+          </a:p>
+        </p:txBody>
+      </p:sp>
+      <p:sp>
+        <p:nvSpPr>
+          <p:cNvPr id="26" name="Rectangle 25">
+            <a:extLst>
+              <a:ext uri="{FF2B5EF4-FFF2-40B4-BE49-F238E27FC236}">
+                <a16:creationId xmlns:a16="http://schemas.microsoft.com/office/drawing/2014/main" id="{B10BC80D-2045-4CBD-B47D-B5321BB19BA5}"/>
+              </a:ext>
+            </a:extLst>
+          </p:cNvPr>
+          <p:cNvSpPr/>
+          <p:nvPr/>
+        </p:nvSpPr>
+        <p:spPr>
+          <a:xfrm>
+            <a:off x="8761897" y="2753668"/>
+            <a:ext cx="477078" cy="326887"/>
+          </a:xfrm>
+          <a:prstGeom prst="rect">
+            <a:avLst/>
+          </a:prstGeom>
+          <a:solidFill>
+            <a:srgbClr val="095EB3"/>
+          </a:solidFill>
+          <a:ln>
+            <a:solidFill>
+              <a:srgbClr val="095EB3"/>
+            </a:solidFill>
+          </a:ln>
+        </p:spPr>
+        <p:style>
+          <a:lnRef idx="2">
+            <a:schemeClr val="accent1">
+              <a:shade val="50000"/>
+            </a:schemeClr>
+          </a:lnRef>
+          <a:fillRef idx="1">
+            <a:schemeClr val="accent1"/>
+          </a:fillRef>
+          <a:effectRef idx="0">
+            <a:schemeClr val="accent1"/>
+          </a:effectRef>
+          <a:fontRef idx="minor">
+            <a:schemeClr val="lt1"/>
+          </a:fontRef>
+        </p:style>
+        <p:txBody>
+          <a:bodyPr rtlCol="0" anchor="ctr"/>
+          <a:lstStyle/>
+          <a:p>
+            <a:pPr algn="ctr"/>
+            <a:endParaRPr lang="de-DE"/>
+          </a:p>
+        </p:txBody>
+      </p:sp>
+      <p:sp>
+        <p:nvSpPr>
+          <p:cNvPr id="27" name="Rectangle 26">
+            <a:extLst>
+              <a:ext uri="{FF2B5EF4-FFF2-40B4-BE49-F238E27FC236}">
+                <a16:creationId xmlns:a16="http://schemas.microsoft.com/office/drawing/2014/main" id="{6F025EAC-A594-479D-AA54-FF2D4B237B5B}"/>
+              </a:ext>
+            </a:extLst>
+          </p:cNvPr>
+          <p:cNvSpPr/>
+          <p:nvPr/>
+        </p:nvSpPr>
+        <p:spPr>
+          <a:xfrm>
+            <a:off x="8761897" y="3433655"/>
+            <a:ext cx="477078" cy="326887"/>
+          </a:xfrm>
+          <a:prstGeom prst="rect">
+            <a:avLst/>
+          </a:prstGeom>
+          <a:solidFill>
+            <a:srgbClr val="FCD100"/>
+          </a:solidFill>
+          <a:ln>
+            <a:solidFill>
+              <a:srgbClr val="FCD100"/>
+            </a:solidFill>
+          </a:ln>
+        </p:spPr>
+        <p:style>
+          <a:lnRef idx="2">
+            <a:schemeClr val="accent1">
+              <a:shade val="50000"/>
+            </a:schemeClr>
+          </a:lnRef>
+          <a:fillRef idx="1">
+            <a:schemeClr val="accent1"/>
+          </a:fillRef>
+          <a:effectRef idx="0">
+            <a:schemeClr val="accent1"/>
+          </a:effectRef>
+          <a:fontRef idx="minor">
+            <a:schemeClr val="lt1"/>
+          </a:fontRef>
+        </p:style>
+        <p:txBody>
+          <a:bodyPr rtlCol="0" anchor="ctr"/>
+          <a:lstStyle/>
+          <a:p>
+            <a:pPr algn="ctr"/>
+            <a:endParaRPr lang="de-DE" dirty="0"/>
+          </a:p>
+        </p:txBody>
+      </p:sp>
+      <p:sp>
+        <p:nvSpPr>
+          <p:cNvPr id="28" name="Rectangle 27">
+            <a:extLst>
+              <a:ext uri="{FF2B5EF4-FFF2-40B4-BE49-F238E27FC236}">
+                <a16:creationId xmlns:a16="http://schemas.microsoft.com/office/drawing/2014/main" id="{80AC05A3-041F-47B6-AF78-405415783FDC}"/>
+              </a:ext>
+            </a:extLst>
+          </p:cNvPr>
+          <p:cNvSpPr/>
+          <p:nvPr/>
+        </p:nvSpPr>
+        <p:spPr>
+          <a:xfrm>
+            <a:off x="8761897" y="4133431"/>
+            <a:ext cx="477078" cy="326887"/>
+          </a:xfrm>
+          <a:prstGeom prst="rect">
+            <a:avLst/>
+          </a:prstGeom>
+          <a:solidFill>
+            <a:srgbClr val="0B74DE"/>
+          </a:solidFill>
+          <a:ln>
+            <a:solidFill>
+              <a:srgbClr val="0B74DE"/>
+            </a:solidFill>
+          </a:ln>
+        </p:spPr>
+        <p:style>
+          <a:lnRef idx="2">
+            <a:schemeClr val="accent1">
+              <a:shade val="50000"/>
+            </a:schemeClr>
+          </a:lnRef>
+          <a:fillRef idx="1">
+            <a:schemeClr val="accent1"/>
+          </a:fillRef>
+          <a:effectRef idx="0">
+            <a:schemeClr val="accent1"/>
+          </a:effectRef>
+          <a:fontRef idx="minor">
+            <a:schemeClr val="lt1"/>
+          </a:fontRef>
+        </p:style>
+        <p:txBody>
+          <a:bodyPr rtlCol="0" anchor="ctr"/>
+          <a:lstStyle/>
+          <a:p>
+            <a:pPr algn="ctr"/>
+            <a:endParaRPr lang="de-DE" dirty="0"/>
+          </a:p>
+        </p:txBody>
+      </p:sp>
     </p:spTree>
     <p:extLst>
       <p:ext uri="{BB962C8B-B14F-4D97-AF65-F5344CB8AC3E}">
-        <p14:creationId xmlns:p14="http://schemas.microsoft.com/office/powerpoint/2010/main" val="1721771977"/>
+        <p14:creationId xmlns:p14="http://schemas.microsoft.com/office/powerpoint/2010/main" val="2917805344"/>
       </p:ext>
     </p:extLst>
   </p:cSld>
